--- a/tutorial2/Git-Tutorial2-CCSCNE-2016.pptx
+++ b/tutorial2/Git-Tutorial2-CCSCNE-2016.pptx
@@ -4,6 +4,12 @@
   <p:sldMasterIdLst>
     <p:sldMasterId id="2147483648" r:id="rId1"/>
   </p:sldMasterIdLst>
+  <p:notesMasterIdLst>
+    <p:notesMasterId r:id="rId45"/>
+  </p:notesMasterIdLst>
+  <p:handoutMasterIdLst>
+    <p:handoutMasterId r:id="rId46"/>
+  </p:handoutMasterIdLst>
   <p:sldIdLst>
     <p:sldId id="256" r:id="rId2"/>
     <p:sldId id="260" r:id="rId3"/>
@@ -149,6 +155,523 @@
 </p:presentation>
 </file>
 
+<file path=ppt/handoutMasters/handoutMaster1.xml><?xml version="1.0" encoding="utf-8"?>
+<p:handoutMaster xmlns:a="http://schemas.openxmlformats.org/drawingml/2006/main" xmlns:r="http://schemas.openxmlformats.org/officeDocument/2006/relationships" xmlns:p="http://schemas.openxmlformats.org/presentationml/2006/main">
+  <p:cSld>
+    <p:bg>
+      <p:bgRef idx="1001">
+        <a:schemeClr val="bg1"/>
+      </p:bgRef>
+    </p:bg>
+    <p:spTree>
+      <p:nvGrpSpPr>
+        <p:cNvPr id="1" name=""/>
+        <p:cNvGrpSpPr/>
+        <p:nvPr/>
+      </p:nvGrpSpPr>
+      <p:grpSpPr>
+        <a:xfrm>
+          <a:off x="0" y="0"/>
+          <a:ext cx="0" cy="0"/>
+          <a:chOff x="0" y="0"/>
+          <a:chExt cx="0" cy="0"/>
+        </a:xfrm>
+      </p:grpSpPr>
+      <p:sp>
+        <p:nvSpPr>
+          <p:cNvPr id="2" name="Header Placeholder 1"/>
+          <p:cNvSpPr>
+            <a:spLocks noGrp="1"/>
+          </p:cNvSpPr>
+          <p:nvPr>
+            <p:ph type="hdr" sz="quarter"/>
+          </p:nvPr>
+        </p:nvSpPr>
+        <p:spPr>
+          <a:xfrm>
+            <a:off x="0" y="0"/>
+            <a:ext cx="2971800" cy="457200"/>
+          </a:xfrm>
+          <a:prstGeom prst="rect">
+            <a:avLst/>
+          </a:prstGeom>
+        </p:spPr>
+        <p:txBody>
+          <a:bodyPr vert="horz" lIns="91440" tIns="45720" rIns="91440" bIns="45720" rtlCol="0"/>
+          <a:lstStyle>
+            <a:lvl1pPr algn="l">
+              <a:defRPr sz="1200"/>
+            </a:lvl1pPr>
+          </a:lstStyle>
+          <a:p>
+            <a:endParaRPr lang="en-US"/>
+          </a:p>
+        </p:txBody>
+      </p:sp>
+      <p:sp>
+        <p:nvSpPr>
+          <p:cNvPr id="3" name="Date Placeholder 2"/>
+          <p:cNvSpPr>
+            <a:spLocks noGrp="1"/>
+          </p:cNvSpPr>
+          <p:nvPr>
+            <p:ph type="dt" sz="quarter" idx="1"/>
+          </p:nvPr>
+        </p:nvSpPr>
+        <p:spPr>
+          <a:xfrm>
+            <a:off x="3884613" y="0"/>
+            <a:ext cx="2971800" cy="457200"/>
+          </a:xfrm>
+          <a:prstGeom prst="rect">
+            <a:avLst/>
+          </a:prstGeom>
+        </p:spPr>
+        <p:txBody>
+          <a:bodyPr vert="horz" lIns="91440" tIns="45720" rIns="91440" bIns="45720" rtlCol="0"/>
+          <a:lstStyle>
+            <a:lvl1pPr algn="r">
+              <a:defRPr sz="1200"/>
+            </a:lvl1pPr>
+          </a:lstStyle>
+          <a:p>
+            <a:fld id="{AD2AC528-4D53-894B-B349-B5F710F9F56E}" type="datetimeFigureOut">
+              <a:rPr lang="en-US" smtClean="0"/>
+              <a:t>4/15/16</a:t>
+            </a:fld>
+            <a:endParaRPr lang="en-US"/>
+          </a:p>
+        </p:txBody>
+      </p:sp>
+      <p:sp>
+        <p:nvSpPr>
+          <p:cNvPr id="4" name="Footer Placeholder 3"/>
+          <p:cNvSpPr>
+            <a:spLocks noGrp="1"/>
+          </p:cNvSpPr>
+          <p:nvPr>
+            <p:ph type="ftr" sz="quarter" idx="2"/>
+          </p:nvPr>
+        </p:nvSpPr>
+        <p:spPr>
+          <a:xfrm>
+            <a:off x="0" y="8685213"/>
+            <a:ext cx="2971800" cy="457200"/>
+          </a:xfrm>
+          <a:prstGeom prst="rect">
+            <a:avLst/>
+          </a:prstGeom>
+        </p:spPr>
+        <p:txBody>
+          <a:bodyPr vert="horz" lIns="91440" tIns="45720" rIns="91440" bIns="45720" rtlCol="0" anchor="b"/>
+          <a:lstStyle>
+            <a:lvl1pPr algn="l">
+              <a:defRPr sz="1200"/>
+            </a:lvl1pPr>
+          </a:lstStyle>
+          <a:p>
+            <a:endParaRPr lang="en-US"/>
+          </a:p>
+        </p:txBody>
+      </p:sp>
+      <p:sp>
+        <p:nvSpPr>
+          <p:cNvPr id="5" name="Slide Number Placeholder 4"/>
+          <p:cNvSpPr>
+            <a:spLocks noGrp="1"/>
+          </p:cNvSpPr>
+          <p:nvPr>
+            <p:ph type="sldNum" sz="quarter" idx="3"/>
+          </p:nvPr>
+        </p:nvSpPr>
+        <p:spPr>
+          <a:xfrm>
+            <a:off x="3884613" y="8685213"/>
+            <a:ext cx="2971800" cy="457200"/>
+          </a:xfrm>
+          <a:prstGeom prst="rect">
+            <a:avLst/>
+          </a:prstGeom>
+        </p:spPr>
+        <p:txBody>
+          <a:bodyPr vert="horz" lIns="91440" tIns="45720" rIns="91440" bIns="45720" rtlCol="0" anchor="b"/>
+          <a:lstStyle>
+            <a:lvl1pPr algn="r">
+              <a:defRPr sz="1200"/>
+            </a:lvl1pPr>
+          </a:lstStyle>
+          <a:p>
+            <a:fld id="{693FCEDB-1E7F-F146-BFD8-C40E060FE402}" type="slidenum">
+              <a:rPr lang="en-US" smtClean="0"/>
+              <a:t>‹#›</a:t>
+            </a:fld>
+            <a:endParaRPr lang="en-US"/>
+          </a:p>
+        </p:txBody>
+      </p:sp>
+    </p:spTree>
+    <p:extLst>
+      <p:ext uri="{BB962C8B-B14F-4D97-AF65-F5344CB8AC3E}">
+        <p14:creationId xmlns:p14="http://schemas.microsoft.com/office/powerpoint/2010/main" val="3866029125"/>
+      </p:ext>
+    </p:extLst>
+  </p:cSld>
+  <p:clrMap bg1="lt1" tx1="dk1" bg2="lt2" tx2="dk2" accent1="accent1" accent2="accent2" accent3="accent3" accent4="accent4" accent5="accent5" accent6="accent6" hlink="hlink" folHlink="folHlink"/>
+  <p:hf hdr="0" ftr="0" dt="0"/>
+</p:handoutMaster>
+</file>
+
+<file path=ppt/notesMasters/notesMaster1.xml><?xml version="1.0" encoding="utf-8"?>
+<p:notesMaster xmlns:a="http://schemas.openxmlformats.org/drawingml/2006/main" xmlns:r="http://schemas.openxmlformats.org/officeDocument/2006/relationships" xmlns:p="http://schemas.openxmlformats.org/presentationml/2006/main">
+  <p:cSld>
+    <p:bg>
+      <p:bgRef idx="1001">
+        <a:schemeClr val="bg1"/>
+      </p:bgRef>
+    </p:bg>
+    <p:spTree>
+      <p:nvGrpSpPr>
+        <p:cNvPr id="1" name=""/>
+        <p:cNvGrpSpPr/>
+        <p:nvPr/>
+      </p:nvGrpSpPr>
+      <p:grpSpPr>
+        <a:xfrm>
+          <a:off x="0" y="0"/>
+          <a:ext cx="0" cy="0"/>
+          <a:chOff x="0" y="0"/>
+          <a:chExt cx="0" cy="0"/>
+        </a:xfrm>
+      </p:grpSpPr>
+      <p:sp>
+        <p:nvSpPr>
+          <p:cNvPr id="2" name="Header Placeholder 1"/>
+          <p:cNvSpPr>
+            <a:spLocks noGrp="1"/>
+          </p:cNvSpPr>
+          <p:nvPr>
+            <p:ph type="hdr" sz="quarter"/>
+          </p:nvPr>
+        </p:nvSpPr>
+        <p:spPr>
+          <a:xfrm>
+            <a:off x="0" y="0"/>
+            <a:ext cx="2971800" cy="457200"/>
+          </a:xfrm>
+          <a:prstGeom prst="rect">
+            <a:avLst/>
+          </a:prstGeom>
+        </p:spPr>
+        <p:txBody>
+          <a:bodyPr vert="horz" lIns="91440" tIns="45720" rIns="91440" bIns="45720" rtlCol="0"/>
+          <a:lstStyle>
+            <a:lvl1pPr algn="l">
+              <a:defRPr sz="1200"/>
+            </a:lvl1pPr>
+          </a:lstStyle>
+          <a:p>
+            <a:endParaRPr lang="en-US"/>
+          </a:p>
+        </p:txBody>
+      </p:sp>
+      <p:sp>
+        <p:nvSpPr>
+          <p:cNvPr id="3" name="Date Placeholder 2"/>
+          <p:cNvSpPr>
+            <a:spLocks noGrp="1"/>
+          </p:cNvSpPr>
+          <p:nvPr>
+            <p:ph type="dt" idx="1"/>
+          </p:nvPr>
+        </p:nvSpPr>
+        <p:spPr>
+          <a:xfrm>
+            <a:off x="3884613" y="0"/>
+            <a:ext cx="2971800" cy="457200"/>
+          </a:xfrm>
+          <a:prstGeom prst="rect">
+            <a:avLst/>
+          </a:prstGeom>
+        </p:spPr>
+        <p:txBody>
+          <a:bodyPr vert="horz" lIns="91440" tIns="45720" rIns="91440" bIns="45720" rtlCol="0"/>
+          <a:lstStyle>
+            <a:lvl1pPr algn="r">
+              <a:defRPr sz="1200"/>
+            </a:lvl1pPr>
+          </a:lstStyle>
+          <a:p>
+            <a:fld id="{04248DE7-56DE-4545-BF35-D3E870520EC4}" type="datetimeFigureOut">
+              <a:rPr lang="en-US" smtClean="0"/>
+              <a:t>4/15/16</a:t>
+            </a:fld>
+            <a:endParaRPr lang="en-US"/>
+          </a:p>
+        </p:txBody>
+      </p:sp>
+      <p:sp>
+        <p:nvSpPr>
+          <p:cNvPr id="4" name="Slide Image Placeholder 3"/>
+          <p:cNvSpPr>
+            <a:spLocks noGrp="1" noRot="1" noChangeAspect="1"/>
+          </p:cNvSpPr>
+          <p:nvPr>
+            <p:ph type="sldImg" idx="2"/>
+          </p:nvPr>
+        </p:nvSpPr>
+        <p:spPr>
+          <a:xfrm>
+            <a:off x="1143000" y="685800"/>
+            <a:ext cx="4572000" cy="3429000"/>
+          </a:xfrm>
+          <a:prstGeom prst="rect">
+            <a:avLst/>
+          </a:prstGeom>
+          <a:noFill/>
+          <a:ln w="12700">
+            <a:solidFill>
+              <a:prstClr val="black"/>
+            </a:solidFill>
+          </a:ln>
+        </p:spPr>
+        <p:txBody>
+          <a:bodyPr vert="horz" lIns="91440" tIns="45720" rIns="91440" bIns="45720" rtlCol="0" anchor="ctr"/>
+          <a:lstStyle/>
+          <a:p>
+            <a:endParaRPr lang="en-US"/>
+          </a:p>
+        </p:txBody>
+      </p:sp>
+      <p:sp>
+        <p:nvSpPr>
+          <p:cNvPr id="5" name="Notes Placeholder 4"/>
+          <p:cNvSpPr>
+            <a:spLocks noGrp="1"/>
+          </p:cNvSpPr>
+          <p:nvPr>
+            <p:ph type="body" sz="quarter" idx="3"/>
+          </p:nvPr>
+        </p:nvSpPr>
+        <p:spPr>
+          <a:xfrm>
+            <a:off x="685800" y="4343400"/>
+            <a:ext cx="5486400" cy="4114800"/>
+          </a:xfrm>
+          <a:prstGeom prst="rect">
+            <a:avLst/>
+          </a:prstGeom>
+        </p:spPr>
+        <p:txBody>
+          <a:bodyPr vert="horz" lIns="91440" tIns="45720" rIns="91440" bIns="45720" rtlCol="0"/>
+          <a:lstStyle/>
+          <a:p>
+            <a:pPr lvl="0"/>
+            <a:r>
+              <a:rPr lang="en-US" smtClean="0"/>
+              <a:t>Click to edit Master text styles</a:t>
+            </a:r>
+          </a:p>
+          <a:p>
+            <a:pPr lvl="1"/>
+            <a:r>
+              <a:rPr lang="en-US" smtClean="0"/>
+              <a:t>Second level</a:t>
+            </a:r>
+          </a:p>
+          <a:p>
+            <a:pPr lvl="2"/>
+            <a:r>
+              <a:rPr lang="en-US" smtClean="0"/>
+              <a:t>Third level</a:t>
+            </a:r>
+          </a:p>
+          <a:p>
+            <a:pPr lvl="3"/>
+            <a:r>
+              <a:rPr lang="en-US" smtClean="0"/>
+              <a:t>Fourth level</a:t>
+            </a:r>
+          </a:p>
+          <a:p>
+            <a:pPr lvl="4"/>
+            <a:r>
+              <a:rPr lang="en-US" smtClean="0"/>
+              <a:t>Fifth level</a:t>
+            </a:r>
+            <a:endParaRPr lang="en-US"/>
+          </a:p>
+        </p:txBody>
+      </p:sp>
+      <p:sp>
+        <p:nvSpPr>
+          <p:cNvPr id="6" name="Footer Placeholder 5"/>
+          <p:cNvSpPr>
+            <a:spLocks noGrp="1"/>
+          </p:cNvSpPr>
+          <p:nvPr>
+            <p:ph type="ftr" sz="quarter" idx="4"/>
+          </p:nvPr>
+        </p:nvSpPr>
+        <p:spPr>
+          <a:xfrm>
+            <a:off x="0" y="8685213"/>
+            <a:ext cx="2971800" cy="457200"/>
+          </a:xfrm>
+          <a:prstGeom prst="rect">
+            <a:avLst/>
+          </a:prstGeom>
+        </p:spPr>
+        <p:txBody>
+          <a:bodyPr vert="horz" lIns="91440" tIns="45720" rIns="91440" bIns="45720" rtlCol="0" anchor="b"/>
+          <a:lstStyle>
+            <a:lvl1pPr algn="l">
+              <a:defRPr sz="1200"/>
+            </a:lvl1pPr>
+          </a:lstStyle>
+          <a:p>
+            <a:endParaRPr lang="en-US"/>
+          </a:p>
+        </p:txBody>
+      </p:sp>
+      <p:sp>
+        <p:nvSpPr>
+          <p:cNvPr id="7" name="Slide Number Placeholder 6"/>
+          <p:cNvSpPr>
+            <a:spLocks noGrp="1"/>
+          </p:cNvSpPr>
+          <p:nvPr>
+            <p:ph type="sldNum" sz="quarter" idx="5"/>
+          </p:nvPr>
+        </p:nvSpPr>
+        <p:spPr>
+          <a:xfrm>
+            <a:off x="3884613" y="8685213"/>
+            <a:ext cx="2971800" cy="457200"/>
+          </a:xfrm>
+          <a:prstGeom prst="rect">
+            <a:avLst/>
+          </a:prstGeom>
+        </p:spPr>
+        <p:txBody>
+          <a:bodyPr vert="horz" lIns="91440" tIns="45720" rIns="91440" bIns="45720" rtlCol="0" anchor="b"/>
+          <a:lstStyle>
+            <a:lvl1pPr algn="r">
+              <a:defRPr sz="1200"/>
+            </a:lvl1pPr>
+          </a:lstStyle>
+          <a:p>
+            <a:fld id="{EA94D6AD-D8A8-E54D-89EA-8740A6DFF454}" type="slidenum">
+              <a:rPr lang="en-US" smtClean="0"/>
+              <a:t>‹#›</a:t>
+            </a:fld>
+            <a:endParaRPr lang="en-US"/>
+          </a:p>
+        </p:txBody>
+      </p:sp>
+    </p:spTree>
+    <p:extLst>
+      <p:ext uri="{BB962C8B-B14F-4D97-AF65-F5344CB8AC3E}">
+        <p14:creationId xmlns:p14="http://schemas.microsoft.com/office/powerpoint/2010/main" val="1387810111"/>
+      </p:ext>
+    </p:extLst>
+  </p:cSld>
+  <p:clrMap bg1="lt1" tx1="dk1" bg2="lt2" tx2="dk2" accent1="accent1" accent2="accent2" accent3="accent3" accent4="accent4" accent5="accent5" accent6="accent6" hlink="hlink" folHlink="folHlink"/>
+  <p:hf hdr="0" ftr="0" dt="0"/>
+  <p:notesStyle>
+    <a:lvl1pPr marL="0" algn="l" defTabSz="457200" rtl="0" eaLnBrk="1" latinLnBrk="0" hangingPunct="1">
+      <a:defRPr sz="1200" kern="1200">
+        <a:solidFill>
+          <a:schemeClr val="tx1"/>
+        </a:solidFill>
+        <a:latin typeface="+mn-lt"/>
+        <a:ea typeface="+mn-ea"/>
+        <a:cs typeface="+mn-cs"/>
+      </a:defRPr>
+    </a:lvl1pPr>
+    <a:lvl2pPr marL="457200" algn="l" defTabSz="457200" rtl="0" eaLnBrk="1" latinLnBrk="0" hangingPunct="1">
+      <a:defRPr sz="1200" kern="1200">
+        <a:solidFill>
+          <a:schemeClr val="tx1"/>
+        </a:solidFill>
+        <a:latin typeface="+mn-lt"/>
+        <a:ea typeface="+mn-ea"/>
+        <a:cs typeface="+mn-cs"/>
+      </a:defRPr>
+    </a:lvl2pPr>
+    <a:lvl3pPr marL="914400" algn="l" defTabSz="457200" rtl="0" eaLnBrk="1" latinLnBrk="0" hangingPunct="1">
+      <a:defRPr sz="1200" kern="1200">
+        <a:solidFill>
+          <a:schemeClr val="tx1"/>
+        </a:solidFill>
+        <a:latin typeface="+mn-lt"/>
+        <a:ea typeface="+mn-ea"/>
+        <a:cs typeface="+mn-cs"/>
+      </a:defRPr>
+    </a:lvl3pPr>
+    <a:lvl4pPr marL="1371600" algn="l" defTabSz="457200" rtl="0" eaLnBrk="1" latinLnBrk="0" hangingPunct="1">
+      <a:defRPr sz="1200" kern="1200">
+        <a:solidFill>
+          <a:schemeClr val="tx1"/>
+        </a:solidFill>
+        <a:latin typeface="+mn-lt"/>
+        <a:ea typeface="+mn-ea"/>
+        <a:cs typeface="+mn-cs"/>
+      </a:defRPr>
+    </a:lvl4pPr>
+    <a:lvl5pPr marL="1828800" algn="l" defTabSz="457200" rtl="0" eaLnBrk="1" latinLnBrk="0" hangingPunct="1">
+      <a:defRPr sz="1200" kern="1200">
+        <a:solidFill>
+          <a:schemeClr val="tx1"/>
+        </a:solidFill>
+        <a:latin typeface="+mn-lt"/>
+        <a:ea typeface="+mn-ea"/>
+        <a:cs typeface="+mn-cs"/>
+      </a:defRPr>
+    </a:lvl5pPr>
+    <a:lvl6pPr marL="2286000" algn="l" defTabSz="457200" rtl="0" eaLnBrk="1" latinLnBrk="0" hangingPunct="1">
+      <a:defRPr sz="1200" kern="1200">
+        <a:solidFill>
+          <a:schemeClr val="tx1"/>
+        </a:solidFill>
+        <a:latin typeface="+mn-lt"/>
+        <a:ea typeface="+mn-ea"/>
+        <a:cs typeface="+mn-cs"/>
+      </a:defRPr>
+    </a:lvl6pPr>
+    <a:lvl7pPr marL="2743200" algn="l" defTabSz="457200" rtl="0" eaLnBrk="1" latinLnBrk="0" hangingPunct="1">
+      <a:defRPr sz="1200" kern="1200">
+        <a:solidFill>
+          <a:schemeClr val="tx1"/>
+        </a:solidFill>
+        <a:latin typeface="+mn-lt"/>
+        <a:ea typeface="+mn-ea"/>
+        <a:cs typeface="+mn-cs"/>
+      </a:defRPr>
+    </a:lvl7pPr>
+    <a:lvl8pPr marL="3200400" algn="l" defTabSz="457200" rtl="0" eaLnBrk="1" latinLnBrk="0" hangingPunct="1">
+      <a:defRPr sz="1200" kern="1200">
+        <a:solidFill>
+          <a:schemeClr val="tx1"/>
+        </a:solidFill>
+        <a:latin typeface="+mn-lt"/>
+        <a:ea typeface="+mn-ea"/>
+        <a:cs typeface="+mn-cs"/>
+      </a:defRPr>
+    </a:lvl8pPr>
+    <a:lvl9pPr marL="3657600" algn="l" defTabSz="457200" rtl="0" eaLnBrk="1" latinLnBrk="0" hangingPunct="1">
+      <a:defRPr sz="1200" kern="1200">
+        <a:solidFill>
+          <a:schemeClr val="tx1"/>
+        </a:solidFill>
+        <a:latin typeface="+mn-lt"/>
+        <a:ea typeface="+mn-ea"/>
+        <a:cs typeface="+mn-cs"/>
+      </a:defRPr>
+    </a:lvl9pPr>
+  </p:notesStyle>
+</p:notesMaster>
+</file>
+
 <file path=ppt/slideLayouts/slideLayout1.xml><?xml version="1.0" encoding="utf-8"?>
 <p:sldLayout xmlns:a="http://schemas.openxmlformats.org/drawingml/2006/main" xmlns:r="http://schemas.openxmlformats.org/officeDocument/2006/relationships" xmlns:p="http://schemas.openxmlformats.org/presentationml/2006/main" type="title" preserve="1">
   <p:cSld name="Title Slide">
@@ -328,9 +851,9 @@
           <a:bodyPr/>
           <a:lstStyle/>
           <a:p>
-            <a:fld id="{BF3DA1EB-521A-F345-A2C0-7ED338C7A592}" type="datetimeFigureOut">
+            <a:fld id="{F0CFD93C-F7B8-7A45-B65F-B46001A15069}" type="datetime1">
               <a:rPr lang="en-US" smtClean="0"/>
-              <a:t>4/9/16</a:t>
+              <a:t>4/15/16</a:t>
             </a:fld>
             <a:endParaRPr lang="en-US"/>
           </a:p>
@@ -498,9 +1021,9 @@
           <a:bodyPr/>
           <a:lstStyle/>
           <a:p>
-            <a:fld id="{BF3DA1EB-521A-F345-A2C0-7ED338C7A592}" type="datetimeFigureOut">
+            <a:fld id="{3A1E3DB1-C5A5-174F-BE4E-2B29128F6B65}" type="datetime1">
               <a:rPr lang="en-US" smtClean="0"/>
-              <a:t>4/9/16</a:t>
+              <a:t>4/15/16</a:t>
             </a:fld>
             <a:endParaRPr lang="en-US"/>
           </a:p>
@@ -678,9 +1201,9 @@
           <a:bodyPr/>
           <a:lstStyle/>
           <a:p>
-            <a:fld id="{BF3DA1EB-521A-F345-A2C0-7ED338C7A592}" type="datetimeFigureOut">
+            <a:fld id="{1FEAB65C-BC1D-B449-814D-C7F123D90314}" type="datetime1">
               <a:rPr lang="en-US" smtClean="0"/>
-              <a:t>4/9/16</a:t>
+              <a:t>4/15/16</a:t>
             </a:fld>
             <a:endParaRPr lang="en-US"/>
           </a:p>
@@ -848,9 +1371,9 @@
           <a:bodyPr/>
           <a:lstStyle/>
           <a:p>
-            <a:fld id="{BF3DA1EB-521A-F345-A2C0-7ED338C7A592}" type="datetimeFigureOut">
+            <a:fld id="{DAF1656F-77EA-0F4E-B647-FAE93B18614F}" type="datetime1">
               <a:rPr lang="en-US" smtClean="0"/>
-              <a:t>4/9/16</a:t>
+              <a:t>4/15/16</a:t>
             </a:fld>
             <a:endParaRPr lang="en-US"/>
           </a:p>
@@ -1094,9 +1617,9 @@
           <a:bodyPr/>
           <a:lstStyle/>
           <a:p>
-            <a:fld id="{BF3DA1EB-521A-F345-A2C0-7ED338C7A592}" type="datetimeFigureOut">
+            <a:fld id="{5C7EA5FB-D35F-C84C-A07A-E097C9426CB1}" type="datetime1">
               <a:rPr lang="en-US" smtClean="0"/>
-              <a:t>4/9/16</a:t>
+              <a:t>4/15/16</a:t>
             </a:fld>
             <a:endParaRPr lang="en-US"/>
           </a:p>
@@ -1382,9 +1905,9 @@
           <a:bodyPr/>
           <a:lstStyle/>
           <a:p>
-            <a:fld id="{BF3DA1EB-521A-F345-A2C0-7ED338C7A592}" type="datetimeFigureOut">
+            <a:fld id="{7DBB6A11-E179-1941-8976-7258DA8D5258}" type="datetime1">
               <a:rPr lang="en-US" smtClean="0"/>
-              <a:t>4/9/16</a:t>
+              <a:t>4/15/16</a:t>
             </a:fld>
             <a:endParaRPr lang="en-US"/>
           </a:p>
@@ -1804,9 +2327,9 @@
           <a:bodyPr/>
           <a:lstStyle/>
           <a:p>
-            <a:fld id="{BF3DA1EB-521A-F345-A2C0-7ED338C7A592}" type="datetimeFigureOut">
+            <a:fld id="{B0A5A22F-FC3E-1B4F-ACA2-CB3FFF8D6940}" type="datetime1">
               <a:rPr lang="en-US" smtClean="0"/>
-              <a:t>4/9/16</a:t>
+              <a:t>4/15/16</a:t>
             </a:fld>
             <a:endParaRPr lang="en-US"/>
           </a:p>
@@ -1922,9 +2445,9 @@
           <a:bodyPr/>
           <a:lstStyle/>
           <a:p>
-            <a:fld id="{BF3DA1EB-521A-F345-A2C0-7ED338C7A592}" type="datetimeFigureOut">
+            <a:fld id="{26B8F881-6909-BC42-B354-9110D63E42E8}" type="datetime1">
               <a:rPr lang="en-US" smtClean="0"/>
-              <a:t>4/9/16</a:t>
+              <a:t>4/15/16</a:t>
             </a:fld>
             <a:endParaRPr lang="en-US"/>
           </a:p>
@@ -2017,9 +2540,9 @@
           <a:bodyPr/>
           <a:lstStyle/>
           <a:p>
-            <a:fld id="{BF3DA1EB-521A-F345-A2C0-7ED338C7A592}" type="datetimeFigureOut">
+            <a:fld id="{DA3B4506-48D2-0B44-A17E-5DFFB56FD14A}" type="datetime1">
               <a:rPr lang="en-US" smtClean="0"/>
-              <a:t>4/9/16</a:t>
+              <a:t>4/15/16</a:t>
             </a:fld>
             <a:endParaRPr lang="en-US"/>
           </a:p>
@@ -2294,9 +2817,9 @@
           <a:bodyPr/>
           <a:lstStyle/>
           <a:p>
-            <a:fld id="{BF3DA1EB-521A-F345-A2C0-7ED338C7A592}" type="datetimeFigureOut">
+            <a:fld id="{CF15AE37-79C8-194C-AD2E-0574BE677E98}" type="datetime1">
               <a:rPr lang="en-US" smtClean="0"/>
-              <a:t>4/9/16</a:t>
+              <a:t>4/15/16</a:t>
             </a:fld>
             <a:endParaRPr lang="en-US"/>
           </a:p>
@@ -2547,9 +3070,9 @@
           <a:bodyPr/>
           <a:lstStyle/>
           <a:p>
-            <a:fld id="{BF3DA1EB-521A-F345-A2C0-7ED338C7A592}" type="datetimeFigureOut">
+            <a:fld id="{8BEADC64-64FD-F04B-A7C6-AED090FA800D}" type="datetime1">
               <a:rPr lang="en-US" smtClean="0"/>
-              <a:t>4/9/16</a:t>
+              <a:t>4/15/16</a:t>
             </a:fld>
             <a:endParaRPr lang="en-US"/>
           </a:p>
@@ -2760,9 +3283,9 @@
             </a:lvl1pPr>
           </a:lstStyle>
           <a:p>
-            <a:fld id="{BF3DA1EB-521A-F345-A2C0-7ED338C7A592}" type="datetimeFigureOut">
+            <a:fld id="{9730384F-D402-E146-B026-C2C110B656BD}" type="datetime1">
               <a:rPr lang="en-US" smtClean="0"/>
-              <a:t>4/9/16</a:t>
+              <a:t>4/15/16</a:t>
             </a:fld>
             <a:endParaRPr lang="en-US"/>
           </a:p>
@@ -2867,6 +3390,7 @@
     <p:sldLayoutId id="2147483658" r:id="rId10"/>
     <p:sldLayoutId id="2147483659" r:id="rId11"/>
   </p:sldLayoutIdLst>
+  <p:hf hdr="0" ftr="0" dt="0"/>
   <p:txStyles>
     <p:titleStyle>
       <a:lvl1pPr algn="ctr" defTabSz="457200" rtl="0" eaLnBrk="1" latinLnBrk="0" hangingPunct="1">
@@ -3179,6 +3703,29 @@
           </a:p>
         </p:txBody>
       </p:sp>
+      <p:sp>
+        <p:nvSpPr>
+          <p:cNvPr id="4" name="Slide Number Placeholder 3"/>
+          <p:cNvSpPr>
+            <a:spLocks noGrp="1"/>
+          </p:cNvSpPr>
+          <p:nvPr>
+            <p:ph type="sldNum" sz="quarter" idx="12"/>
+          </p:nvPr>
+        </p:nvSpPr>
+        <p:spPr/>
+        <p:txBody>
+          <a:bodyPr/>
+          <a:lstStyle/>
+          <a:p>
+            <a:fld id="{359744D5-AA56-484C-8B57-85B289DA1210}" type="slidenum">
+              <a:rPr lang="en-US" smtClean="0"/>
+              <a:t>1</a:t>
+            </a:fld>
+            <a:endParaRPr lang="en-US"/>
+          </a:p>
+        </p:txBody>
+      </p:sp>
     </p:spTree>
     <p:extLst>
       <p:ext uri="{BB962C8B-B14F-4D97-AF65-F5344CB8AC3E}">
@@ -3640,6 +4187,29 @@
           </a:p>
         </p:txBody>
       </p:sp>
+      <p:sp>
+        <p:nvSpPr>
+          <p:cNvPr id="3" name="Slide Number Placeholder 2"/>
+          <p:cNvSpPr>
+            <a:spLocks noGrp="1"/>
+          </p:cNvSpPr>
+          <p:nvPr>
+            <p:ph type="sldNum" sz="quarter" idx="12"/>
+          </p:nvPr>
+        </p:nvSpPr>
+        <p:spPr/>
+        <p:txBody>
+          <a:bodyPr/>
+          <a:lstStyle/>
+          <a:p>
+            <a:fld id="{359744D5-AA56-484C-8B57-85B289DA1210}" type="slidenum">
+              <a:rPr lang="en-US" smtClean="0"/>
+              <a:t>10</a:t>
+            </a:fld>
+            <a:endParaRPr lang="en-US"/>
+          </a:p>
+        </p:txBody>
+      </p:sp>
     </p:spTree>
     <p:extLst>
       <p:ext uri="{BB962C8B-B14F-4D97-AF65-F5344CB8AC3E}">
@@ -4145,6 +4715,29 @@
           </a:p>
         </p:txBody>
       </p:sp>
+      <p:sp>
+        <p:nvSpPr>
+          <p:cNvPr id="3" name="Slide Number Placeholder 2"/>
+          <p:cNvSpPr>
+            <a:spLocks noGrp="1"/>
+          </p:cNvSpPr>
+          <p:nvPr>
+            <p:ph type="sldNum" sz="quarter" idx="12"/>
+          </p:nvPr>
+        </p:nvSpPr>
+        <p:spPr/>
+        <p:txBody>
+          <a:bodyPr/>
+          <a:lstStyle/>
+          <a:p>
+            <a:fld id="{359744D5-AA56-484C-8B57-85B289DA1210}" type="slidenum">
+              <a:rPr lang="en-US" smtClean="0"/>
+              <a:t>11</a:t>
+            </a:fld>
+            <a:endParaRPr lang="en-US"/>
+          </a:p>
+        </p:txBody>
+      </p:sp>
     </p:spTree>
     <p:extLst>
       <p:ext uri="{BB962C8B-B14F-4D97-AF65-F5344CB8AC3E}">
@@ -4688,6 +5281,29 @@
           </a:p>
         </p:txBody>
       </p:sp>
+      <p:sp>
+        <p:nvSpPr>
+          <p:cNvPr id="3" name="Slide Number Placeholder 2"/>
+          <p:cNvSpPr>
+            <a:spLocks noGrp="1"/>
+          </p:cNvSpPr>
+          <p:nvPr>
+            <p:ph type="sldNum" sz="quarter" idx="12"/>
+          </p:nvPr>
+        </p:nvSpPr>
+        <p:spPr/>
+        <p:txBody>
+          <a:bodyPr/>
+          <a:lstStyle/>
+          <a:p>
+            <a:fld id="{359744D5-AA56-484C-8B57-85B289DA1210}" type="slidenum">
+              <a:rPr lang="en-US" smtClean="0"/>
+              <a:t>12</a:t>
+            </a:fld>
+            <a:endParaRPr lang="en-US"/>
+          </a:p>
+        </p:txBody>
+      </p:sp>
     </p:spTree>
     <p:extLst>
       <p:ext uri="{BB962C8B-B14F-4D97-AF65-F5344CB8AC3E}">
@@ -5271,6 +5887,29 @@
           </a:p>
         </p:txBody>
       </p:sp>
+      <p:sp>
+        <p:nvSpPr>
+          <p:cNvPr id="3" name="Slide Number Placeholder 2"/>
+          <p:cNvSpPr>
+            <a:spLocks noGrp="1"/>
+          </p:cNvSpPr>
+          <p:nvPr>
+            <p:ph type="sldNum" sz="quarter" idx="12"/>
+          </p:nvPr>
+        </p:nvSpPr>
+        <p:spPr/>
+        <p:txBody>
+          <a:bodyPr/>
+          <a:lstStyle/>
+          <a:p>
+            <a:fld id="{359744D5-AA56-484C-8B57-85B289DA1210}" type="slidenum">
+              <a:rPr lang="en-US" smtClean="0"/>
+              <a:t>13</a:t>
+            </a:fld>
+            <a:endParaRPr lang="en-US"/>
+          </a:p>
+        </p:txBody>
+      </p:sp>
     </p:spTree>
     <p:extLst>
       <p:ext uri="{BB962C8B-B14F-4D97-AF65-F5344CB8AC3E}">
@@ -5892,6 +6531,29 @@
           </a:p>
         </p:txBody>
       </p:sp>
+      <p:sp>
+        <p:nvSpPr>
+          <p:cNvPr id="3" name="Slide Number Placeholder 2"/>
+          <p:cNvSpPr>
+            <a:spLocks noGrp="1"/>
+          </p:cNvSpPr>
+          <p:nvPr>
+            <p:ph type="sldNum" sz="quarter" idx="12"/>
+          </p:nvPr>
+        </p:nvSpPr>
+        <p:spPr/>
+        <p:txBody>
+          <a:bodyPr/>
+          <a:lstStyle/>
+          <a:p>
+            <a:fld id="{359744D5-AA56-484C-8B57-85B289DA1210}" type="slidenum">
+              <a:rPr lang="en-US" smtClean="0"/>
+              <a:t>14</a:t>
+            </a:fld>
+            <a:endParaRPr lang="en-US"/>
+          </a:p>
+        </p:txBody>
+      </p:sp>
     </p:spTree>
     <p:extLst>
       <p:ext uri="{BB962C8B-B14F-4D97-AF65-F5344CB8AC3E}">
@@ -6467,6 +7129,29 @@
           </a:p>
         </p:txBody>
       </p:sp>
+      <p:sp>
+        <p:nvSpPr>
+          <p:cNvPr id="3" name="Slide Number Placeholder 2"/>
+          <p:cNvSpPr>
+            <a:spLocks noGrp="1"/>
+          </p:cNvSpPr>
+          <p:nvPr>
+            <p:ph type="sldNum" sz="quarter" idx="12"/>
+          </p:nvPr>
+        </p:nvSpPr>
+        <p:spPr/>
+        <p:txBody>
+          <a:bodyPr/>
+          <a:lstStyle/>
+          <a:p>
+            <a:fld id="{359744D5-AA56-484C-8B57-85B289DA1210}" type="slidenum">
+              <a:rPr lang="en-US" smtClean="0"/>
+              <a:t>15</a:t>
+            </a:fld>
+            <a:endParaRPr lang="en-US"/>
+          </a:p>
+        </p:txBody>
+      </p:sp>
     </p:spTree>
     <p:extLst>
       <p:ext uri="{BB962C8B-B14F-4D97-AF65-F5344CB8AC3E}">
@@ -7084,6 +7769,29 @@
           </a:p>
         </p:txBody>
       </p:sp>
+      <p:sp>
+        <p:nvSpPr>
+          <p:cNvPr id="10" name="Slide Number Placeholder 9"/>
+          <p:cNvSpPr>
+            <a:spLocks noGrp="1"/>
+          </p:cNvSpPr>
+          <p:nvPr>
+            <p:ph type="sldNum" sz="quarter" idx="12"/>
+          </p:nvPr>
+        </p:nvSpPr>
+        <p:spPr/>
+        <p:txBody>
+          <a:bodyPr/>
+          <a:lstStyle/>
+          <a:p>
+            <a:fld id="{359744D5-AA56-484C-8B57-85B289DA1210}" type="slidenum">
+              <a:rPr lang="en-US" smtClean="0"/>
+              <a:t>16</a:t>
+            </a:fld>
+            <a:endParaRPr lang="en-US"/>
+          </a:p>
+        </p:txBody>
+      </p:sp>
     </p:spTree>
     <p:extLst>
       <p:ext uri="{BB962C8B-B14F-4D97-AF65-F5344CB8AC3E}">
@@ -7777,6 +8485,29 @@
           </a:p>
         </p:txBody>
       </p:sp>
+      <p:sp>
+        <p:nvSpPr>
+          <p:cNvPr id="3" name="Slide Number Placeholder 2"/>
+          <p:cNvSpPr>
+            <a:spLocks noGrp="1"/>
+          </p:cNvSpPr>
+          <p:nvPr>
+            <p:ph type="sldNum" sz="quarter" idx="12"/>
+          </p:nvPr>
+        </p:nvSpPr>
+        <p:spPr/>
+        <p:txBody>
+          <a:bodyPr/>
+          <a:lstStyle/>
+          <a:p>
+            <a:fld id="{359744D5-AA56-484C-8B57-85B289DA1210}" type="slidenum">
+              <a:rPr lang="en-US" smtClean="0"/>
+              <a:t>17</a:t>
+            </a:fld>
+            <a:endParaRPr lang="en-US"/>
+          </a:p>
+        </p:txBody>
+      </p:sp>
     </p:spTree>
     <p:extLst>
       <p:ext uri="{BB962C8B-B14F-4D97-AF65-F5344CB8AC3E}">
@@ -8471,6 +9202,29 @@
           </a:p>
         </p:txBody>
       </p:sp>
+      <p:sp>
+        <p:nvSpPr>
+          <p:cNvPr id="3" name="Slide Number Placeholder 2"/>
+          <p:cNvSpPr>
+            <a:spLocks noGrp="1"/>
+          </p:cNvSpPr>
+          <p:nvPr>
+            <p:ph type="sldNum" sz="quarter" idx="12"/>
+          </p:nvPr>
+        </p:nvSpPr>
+        <p:spPr/>
+        <p:txBody>
+          <a:bodyPr/>
+          <a:lstStyle/>
+          <a:p>
+            <a:fld id="{359744D5-AA56-484C-8B57-85B289DA1210}" type="slidenum">
+              <a:rPr lang="en-US" smtClean="0"/>
+              <a:t>18</a:t>
+            </a:fld>
+            <a:endParaRPr lang="en-US"/>
+          </a:p>
+        </p:txBody>
+      </p:sp>
     </p:spTree>
     <p:extLst>
       <p:ext uri="{BB962C8B-B14F-4D97-AF65-F5344CB8AC3E}">
@@ -9203,6 +9957,29 @@
           </a:p>
         </p:txBody>
       </p:sp>
+      <p:sp>
+        <p:nvSpPr>
+          <p:cNvPr id="3" name="Slide Number Placeholder 2"/>
+          <p:cNvSpPr>
+            <a:spLocks noGrp="1"/>
+          </p:cNvSpPr>
+          <p:nvPr>
+            <p:ph type="sldNum" sz="quarter" idx="12"/>
+          </p:nvPr>
+        </p:nvSpPr>
+        <p:spPr/>
+        <p:txBody>
+          <a:bodyPr/>
+          <a:lstStyle/>
+          <a:p>
+            <a:fld id="{359744D5-AA56-484C-8B57-85B289DA1210}" type="slidenum">
+              <a:rPr lang="en-US" smtClean="0"/>
+              <a:t>19</a:t>
+            </a:fld>
+            <a:endParaRPr lang="en-US"/>
+          </a:p>
+        </p:txBody>
+      </p:sp>
     </p:spTree>
     <p:extLst>
       <p:ext uri="{BB962C8B-B14F-4D97-AF65-F5344CB8AC3E}">
@@ -9305,6 +10082,29 @@
           </a:p>
         </p:txBody>
       </p:sp>
+      <p:sp>
+        <p:nvSpPr>
+          <p:cNvPr id="3" name="Slide Number Placeholder 2"/>
+          <p:cNvSpPr>
+            <a:spLocks noGrp="1"/>
+          </p:cNvSpPr>
+          <p:nvPr>
+            <p:ph type="sldNum" sz="quarter" idx="12"/>
+          </p:nvPr>
+        </p:nvSpPr>
+        <p:spPr/>
+        <p:txBody>
+          <a:bodyPr/>
+          <a:lstStyle/>
+          <a:p>
+            <a:fld id="{359744D5-AA56-484C-8B57-85B289DA1210}" type="slidenum">
+              <a:rPr lang="en-US" smtClean="0"/>
+              <a:t>2</a:t>
+            </a:fld>
+            <a:endParaRPr lang="en-US"/>
+          </a:p>
+        </p:txBody>
+      </p:sp>
     </p:spTree>
     <p:extLst>
       <p:ext uri="{BB962C8B-B14F-4D97-AF65-F5344CB8AC3E}">
@@ -9673,6 +10473,29 @@
           </a:p>
         </p:txBody>
       </p:sp>
+      <p:sp>
+        <p:nvSpPr>
+          <p:cNvPr id="2" name="Slide Number Placeholder 1"/>
+          <p:cNvSpPr>
+            <a:spLocks noGrp="1"/>
+          </p:cNvSpPr>
+          <p:nvPr>
+            <p:ph type="sldNum" sz="quarter" idx="12"/>
+          </p:nvPr>
+        </p:nvSpPr>
+        <p:spPr/>
+        <p:txBody>
+          <a:bodyPr/>
+          <a:lstStyle/>
+          <a:p>
+            <a:fld id="{359744D5-AA56-484C-8B57-85B289DA1210}" type="slidenum">
+              <a:rPr lang="en-US" smtClean="0"/>
+              <a:t>20</a:t>
+            </a:fld>
+            <a:endParaRPr lang="en-US"/>
+          </a:p>
+        </p:txBody>
+      </p:sp>
     </p:spTree>
     <p:extLst>
       <p:ext uri="{BB962C8B-B14F-4D97-AF65-F5344CB8AC3E}">
@@ -10112,6 +10935,29 @@
           </a:p>
         </p:txBody>
       </p:sp>
+      <p:sp>
+        <p:nvSpPr>
+          <p:cNvPr id="2" name="Slide Number Placeholder 1"/>
+          <p:cNvSpPr>
+            <a:spLocks noGrp="1"/>
+          </p:cNvSpPr>
+          <p:nvPr>
+            <p:ph type="sldNum" sz="quarter" idx="12"/>
+          </p:nvPr>
+        </p:nvSpPr>
+        <p:spPr/>
+        <p:txBody>
+          <a:bodyPr/>
+          <a:lstStyle/>
+          <a:p>
+            <a:fld id="{359744D5-AA56-484C-8B57-85B289DA1210}" type="slidenum">
+              <a:rPr lang="en-US" smtClean="0"/>
+              <a:t>21</a:t>
+            </a:fld>
+            <a:endParaRPr lang="en-US"/>
+          </a:p>
+        </p:txBody>
+      </p:sp>
     </p:spTree>
     <p:extLst>
       <p:ext uri="{BB962C8B-B14F-4D97-AF65-F5344CB8AC3E}">
@@ -10637,6 +11483,29 @@
           </a:p>
         </p:txBody>
       </p:sp>
+      <p:sp>
+        <p:nvSpPr>
+          <p:cNvPr id="2" name="Slide Number Placeholder 1"/>
+          <p:cNvSpPr>
+            <a:spLocks noGrp="1"/>
+          </p:cNvSpPr>
+          <p:nvPr>
+            <p:ph type="sldNum" sz="quarter" idx="12"/>
+          </p:nvPr>
+        </p:nvSpPr>
+        <p:spPr/>
+        <p:txBody>
+          <a:bodyPr/>
+          <a:lstStyle/>
+          <a:p>
+            <a:fld id="{359744D5-AA56-484C-8B57-85B289DA1210}" type="slidenum">
+              <a:rPr lang="en-US" smtClean="0"/>
+              <a:t>22</a:t>
+            </a:fld>
+            <a:endParaRPr lang="en-US"/>
+          </a:p>
+        </p:txBody>
+      </p:sp>
     </p:spTree>
     <p:extLst>
       <p:ext uri="{BB962C8B-B14F-4D97-AF65-F5344CB8AC3E}">
@@ -11277,6 +12146,29 @@
           </a:p>
         </p:txBody>
       </p:sp>
+      <p:sp>
+        <p:nvSpPr>
+          <p:cNvPr id="2" name="Slide Number Placeholder 1"/>
+          <p:cNvSpPr>
+            <a:spLocks noGrp="1"/>
+          </p:cNvSpPr>
+          <p:nvPr>
+            <p:ph type="sldNum" sz="quarter" idx="12"/>
+          </p:nvPr>
+        </p:nvSpPr>
+        <p:spPr/>
+        <p:txBody>
+          <a:bodyPr/>
+          <a:lstStyle/>
+          <a:p>
+            <a:fld id="{359744D5-AA56-484C-8B57-85B289DA1210}" type="slidenum">
+              <a:rPr lang="en-US" smtClean="0"/>
+              <a:t>23</a:t>
+            </a:fld>
+            <a:endParaRPr lang="en-US"/>
+          </a:p>
+        </p:txBody>
+      </p:sp>
     </p:spTree>
     <p:extLst>
       <p:ext uri="{BB962C8B-B14F-4D97-AF65-F5344CB8AC3E}">
@@ -11935,6 +12827,29 @@
           </a:prstGeom>
         </p:spPr>
       </p:pic>
+      <p:sp>
+        <p:nvSpPr>
+          <p:cNvPr id="2" name="Slide Number Placeholder 1"/>
+          <p:cNvSpPr>
+            <a:spLocks noGrp="1"/>
+          </p:cNvSpPr>
+          <p:nvPr>
+            <p:ph type="sldNum" sz="quarter" idx="12"/>
+          </p:nvPr>
+        </p:nvSpPr>
+        <p:spPr/>
+        <p:txBody>
+          <a:bodyPr/>
+          <a:lstStyle/>
+          <a:p>
+            <a:fld id="{359744D5-AA56-484C-8B57-85B289DA1210}" type="slidenum">
+              <a:rPr lang="en-US" smtClean="0"/>
+              <a:t>24</a:t>
+            </a:fld>
+            <a:endParaRPr lang="en-US"/>
+          </a:p>
+        </p:txBody>
+      </p:sp>
     </p:spTree>
     <p:extLst>
       <p:ext uri="{BB962C8B-B14F-4D97-AF65-F5344CB8AC3E}">
@@ -12599,6 +13514,29 @@
           </a:prstGeom>
         </p:spPr>
       </p:pic>
+      <p:sp>
+        <p:nvSpPr>
+          <p:cNvPr id="3" name="Slide Number Placeholder 2"/>
+          <p:cNvSpPr>
+            <a:spLocks noGrp="1"/>
+          </p:cNvSpPr>
+          <p:nvPr>
+            <p:ph type="sldNum" sz="quarter" idx="12"/>
+          </p:nvPr>
+        </p:nvSpPr>
+        <p:spPr/>
+        <p:txBody>
+          <a:bodyPr/>
+          <a:lstStyle/>
+          <a:p>
+            <a:fld id="{359744D5-AA56-484C-8B57-85B289DA1210}" type="slidenum">
+              <a:rPr lang="en-US" smtClean="0"/>
+              <a:t>25</a:t>
+            </a:fld>
+            <a:endParaRPr lang="en-US"/>
+          </a:p>
+        </p:txBody>
+      </p:sp>
     </p:spTree>
     <p:extLst>
       <p:ext uri="{BB962C8B-B14F-4D97-AF65-F5344CB8AC3E}">
@@ -13361,6 +14299,29 @@
           </a:fontRef>
         </p:style>
       </p:cxnSp>
+      <p:sp>
+        <p:nvSpPr>
+          <p:cNvPr id="2" name="Slide Number Placeholder 1"/>
+          <p:cNvSpPr>
+            <a:spLocks noGrp="1"/>
+          </p:cNvSpPr>
+          <p:nvPr>
+            <p:ph type="sldNum" sz="quarter" idx="12"/>
+          </p:nvPr>
+        </p:nvSpPr>
+        <p:spPr/>
+        <p:txBody>
+          <a:bodyPr/>
+          <a:lstStyle/>
+          <a:p>
+            <a:fld id="{359744D5-AA56-484C-8B57-85B289DA1210}" type="slidenum">
+              <a:rPr lang="en-US" smtClean="0"/>
+              <a:t>26</a:t>
+            </a:fld>
+            <a:endParaRPr lang="en-US"/>
+          </a:p>
+        </p:txBody>
+      </p:sp>
     </p:spTree>
     <p:extLst>
       <p:ext uri="{BB962C8B-B14F-4D97-AF65-F5344CB8AC3E}">
@@ -14199,6 +15160,29 @@
           </a:fontRef>
         </p:style>
       </p:cxnSp>
+      <p:sp>
+        <p:nvSpPr>
+          <p:cNvPr id="2" name="Slide Number Placeholder 1"/>
+          <p:cNvSpPr>
+            <a:spLocks noGrp="1"/>
+          </p:cNvSpPr>
+          <p:nvPr>
+            <p:ph type="sldNum" sz="quarter" idx="12"/>
+          </p:nvPr>
+        </p:nvSpPr>
+        <p:spPr/>
+        <p:txBody>
+          <a:bodyPr/>
+          <a:lstStyle/>
+          <a:p>
+            <a:fld id="{359744D5-AA56-484C-8B57-85B289DA1210}" type="slidenum">
+              <a:rPr lang="en-US" smtClean="0"/>
+              <a:t>27</a:t>
+            </a:fld>
+            <a:endParaRPr lang="en-US"/>
+          </a:p>
+        </p:txBody>
+      </p:sp>
     </p:spTree>
     <p:extLst>
       <p:ext uri="{BB962C8B-B14F-4D97-AF65-F5344CB8AC3E}">
@@ -15089,6 +16073,29 @@
           </a:prstGeom>
         </p:spPr>
       </p:pic>
+      <p:sp>
+        <p:nvSpPr>
+          <p:cNvPr id="2" name="Slide Number Placeholder 1"/>
+          <p:cNvSpPr>
+            <a:spLocks noGrp="1"/>
+          </p:cNvSpPr>
+          <p:nvPr>
+            <p:ph type="sldNum" sz="quarter" idx="12"/>
+          </p:nvPr>
+        </p:nvSpPr>
+        <p:spPr/>
+        <p:txBody>
+          <a:bodyPr/>
+          <a:lstStyle/>
+          <a:p>
+            <a:fld id="{359744D5-AA56-484C-8B57-85B289DA1210}" type="slidenum">
+              <a:rPr lang="en-US" smtClean="0"/>
+              <a:t>28</a:t>
+            </a:fld>
+            <a:endParaRPr lang="en-US"/>
+          </a:p>
+        </p:txBody>
+      </p:sp>
     </p:spTree>
     <p:extLst>
       <p:ext uri="{BB962C8B-B14F-4D97-AF65-F5344CB8AC3E}">
@@ -16086,6 +17093,29 @@
           </a:fontRef>
         </p:style>
       </p:cxnSp>
+      <p:sp>
+        <p:nvSpPr>
+          <p:cNvPr id="2" name="Slide Number Placeholder 1"/>
+          <p:cNvSpPr>
+            <a:spLocks noGrp="1"/>
+          </p:cNvSpPr>
+          <p:nvPr>
+            <p:ph type="sldNum" sz="quarter" idx="12"/>
+          </p:nvPr>
+        </p:nvSpPr>
+        <p:spPr/>
+        <p:txBody>
+          <a:bodyPr/>
+          <a:lstStyle/>
+          <a:p>
+            <a:fld id="{359744D5-AA56-484C-8B57-85B289DA1210}" type="slidenum">
+              <a:rPr lang="en-US" smtClean="0"/>
+              <a:t>29</a:t>
+            </a:fld>
+            <a:endParaRPr lang="en-US"/>
+          </a:p>
+        </p:txBody>
+      </p:sp>
     </p:spTree>
     <p:extLst>
       <p:ext uri="{BB962C8B-B14F-4D97-AF65-F5344CB8AC3E}">
@@ -16234,6 +17264,29 @@
           </a:p>
         </p:txBody>
       </p:sp>
+      <p:sp>
+        <p:nvSpPr>
+          <p:cNvPr id="5" name="Slide Number Placeholder 4"/>
+          <p:cNvSpPr>
+            <a:spLocks noGrp="1"/>
+          </p:cNvSpPr>
+          <p:nvPr>
+            <p:ph type="sldNum" sz="quarter" idx="12"/>
+          </p:nvPr>
+        </p:nvSpPr>
+        <p:spPr/>
+        <p:txBody>
+          <a:bodyPr/>
+          <a:lstStyle/>
+          <a:p>
+            <a:fld id="{359744D5-AA56-484C-8B57-85B289DA1210}" type="slidenum">
+              <a:rPr lang="en-US" smtClean="0"/>
+              <a:t>3</a:t>
+            </a:fld>
+            <a:endParaRPr lang="en-US"/>
+          </a:p>
+        </p:txBody>
+      </p:sp>
     </p:spTree>
     <p:extLst>
       <p:ext uri="{BB962C8B-B14F-4D97-AF65-F5344CB8AC3E}">
@@ -17426,6 +18479,29 @@
           </a:p>
         </p:txBody>
       </p:sp>
+      <p:sp>
+        <p:nvSpPr>
+          <p:cNvPr id="2" name="Slide Number Placeholder 1"/>
+          <p:cNvSpPr>
+            <a:spLocks noGrp="1"/>
+          </p:cNvSpPr>
+          <p:nvPr>
+            <p:ph type="sldNum" sz="quarter" idx="12"/>
+          </p:nvPr>
+        </p:nvSpPr>
+        <p:spPr/>
+        <p:txBody>
+          <a:bodyPr/>
+          <a:lstStyle/>
+          <a:p>
+            <a:fld id="{359744D5-AA56-484C-8B57-85B289DA1210}" type="slidenum">
+              <a:rPr lang="en-US" smtClean="0"/>
+              <a:t>30</a:t>
+            </a:fld>
+            <a:endParaRPr lang="en-US"/>
+          </a:p>
+        </p:txBody>
+      </p:sp>
     </p:spTree>
     <p:extLst>
       <p:ext uri="{BB962C8B-B14F-4D97-AF65-F5344CB8AC3E}">
@@ -18396,6 +19472,29 @@
           </a:fontRef>
         </p:style>
       </p:cxnSp>
+      <p:sp>
+        <p:nvSpPr>
+          <p:cNvPr id="2" name="Slide Number Placeholder 1"/>
+          <p:cNvSpPr>
+            <a:spLocks noGrp="1"/>
+          </p:cNvSpPr>
+          <p:nvPr>
+            <p:ph type="sldNum" sz="quarter" idx="12"/>
+          </p:nvPr>
+        </p:nvSpPr>
+        <p:spPr/>
+        <p:txBody>
+          <a:bodyPr/>
+          <a:lstStyle/>
+          <a:p>
+            <a:fld id="{359744D5-AA56-484C-8B57-85B289DA1210}" type="slidenum">
+              <a:rPr lang="en-US" smtClean="0"/>
+              <a:t>31</a:t>
+            </a:fld>
+            <a:endParaRPr lang="en-US"/>
+          </a:p>
+        </p:txBody>
+      </p:sp>
     </p:spTree>
     <p:extLst>
       <p:ext uri="{BB962C8B-B14F-4D97-AF65-F5344CB8AC3E}">
@@ -19442,6 +20541,29 @@
           </a:fontRef>
         </p:style>
       </p:cxnSp>
+      <p:sp>
+        <p:nvSpPr>
+          <p:cNvPr id="2" name="Slide Number Placeholder 1"/>
+          <p:cNvSpPr>
+            <a:spLocks noGrp="1"/>
+          </p:cNvSpPr>
+          <p:nvPr>
+            <p:ph type="sldNum" sz="quarter" idx="12"/>
+          </p:nvPr>
+        </p:nvSpPr>
+        <p:spPr/>
+        <p:txBody>
+          <a:bodyPr/>
+          <a:lstStyle/>
+          <a:p>
+            <a:fld id="{359744D5-AA56-484C-8B57-85B289DA1210}" type="slidenum">
+              <a:rPr lang="en-US" smtClean="0"/>
+              <a:t>32</a:t>
+            </a:fld>
+            <a:endParaRPr lang="en-US"/>
+          </a:p>
+        </p:txBody>
+      </p:sp>
     </p:spTree>
     <p:extLst>
       <p:ext uri="{BB962C8B-B14F-4D97-AF65-F5344CB8AC3E}">
@@ -20485,6 +21607,29 @@
           </a:prstGeom>
         </p:spPr>
       </p:pic>
+      <p:sp>
+        <p:nvSpPr>
+          <p:cNvPr id="2" name="Slide Number Placeholder 1"/>
+          <p:cNvSpPr>
+            <a:spLocks noGrp="1"/>
+          </p:cNvSpPr>
+          <p:nvPr>
+            <p:ph type="sldNum" sz="quarter" idx="12"/>
+          </p:nvPr>
+        </p:nvSpPr>
+        <p:spPr/>
+        <p:txBody>
+          <a:bodyPr/>
+          <a:lstStyle/>
+          <a:p>
+            <a:fld id="{359744D5-AA56-484C-8B57-85B289DA1210}" type="slidenum">
+              <a:rPr lang="en-US" smtClean="0"/>
+              <a:t>33</a:t>
+            </a:fld>
+            <a:endParaRPr lang="en-US"/>
+          </a:p>
+        </p:txBody>
+      </p:sp>
     </p:spTree>
     <p:extLst>
       <p:ext uri="{BB962C8B-B14F-4D97-AF65-F5344CB8AC3E}">
@@ -21613,6 +22758,29 @@
           </a:fontRef>
         </p:style>
       </p:cxnSp>
+      <p:sp>
+        <p:nvSpPr>
+          <p:cNvPr id="2" name="Slide Number Placeholder 1"/>
+          <p:cNvSpPr>
+            <a:spLocks noGrp="1"/>
+          </p:cNvSpPr>
+          <p:nvPr>
+            <p:ph type="sldNum" sz="quarter" idx="12"/>
+          </p:nvPr>
+        </p:nvSpPr>
+        <p:spPr/>
+        <p:txBody>
+          <a:bodyPr/>
+          <a:lstStyle/>
+          <a:p>
+            <a:fld id="{359744D5-AA56-484C-8B57-85B289DA1210}" type="slidenum">
+              <a:rPr lang="en-US" smtClean="0"/>
+              <a:t>34</a:t>
+            </a:fld>
+            <a:endParaRPr lang="en-US"/>
+          </a:p>
+        </p:txBody>
+      </p:sp>
     </p:spTree>
     <p:extLst>
       <p:ext uri="{BB962C8B-B14F-4D97-AF65-F5344CB8AC3E}">
@@ -22593,6 +23761,29 @@
           </a:fontRef>
         </p:style>
       </p:cxnSp>
+      <p:sp>
+        <p:nvSpPr>
+          <p:cNvPr id="2" name="Slide Number Placeholder 1"/>
+          <p:cNvSpPr>
+            <a:spLocks noGrp="1"/>
+          </p:cNvSpPr>
+          <p:nvPr>
+            <p:ph type="sldNum" sz="quarter" idx="12"/>
+          </p:nvPr>
+        </p:nvSpPr>
+        <p:spPr/>
+        <p:txBody>
+          <a:bodyPr/>
+          <a:lstStyle/>
+          <a:p>
+            <a:fld id="{359744D5-AA56-484C-8B57-85B289DA1210}" type="slidenum">
+              <a:rPr lang="en-US" smtClean="0"/>
+              <a:t>35</a:t>
+            </a:fld>
+            <a:endParaRPr lang="en-US"/>
+          </a:p>
+        </p:txBody>
+      </p:sp>
     </p:spTree>
     <p:extLst>
       <p:ext uri="{BB962C8B-B14F-4D97-AF65-F5344CB8AC3E}">
@@ -23573,6 +24764,29 @@
           </a:fontRef>
         </p:style>
       </p:cxnSp>
+      <p:sp>
+        <p:nvSpPr>
+          <p:cNvPr id="2" name="Slide Number Placeholder 1"/>
+          <p:cNvSpPr>
+            <a:spLocks noGrp="1"/>
+          </p:cNvSpPr>
+          <p:nvPr>
+            <p:ph type="sldNum" sz="quarter" idx="12"/>
+          </p:nvPr>
+        </p:nvSpPr>
+        <p:spPr/>
+        <p:txBody>
+          <a:bodyPr/>
+          <a:lstStyle/>
+          <a:p>
+            <a:fld id="{359744D5-AA56-484C-8B57-85B289DA1210}" type="slidenum">
+              <a:rPr lang="en-US" smtClean="0"/>
+              <a:t>36</a:t>
+            </a:fld>
+            <a:endParaRPr lang="en-US"/>
+          </a:p>
+        </p:txBody>
+      </p:sp>
     </p:spTree>
     <p:extLst>
       <p:ext uri="{BB962C8B-B14F-4D97-AF65-F5344CB8AC3E}">
@@ -24477,6 +25691,29 @@
           </a:fontRef>
         </p:style>
       </p:cxnSp>
+      <p:sp>
+        <p:nvSpPr>
+          <p:cNvPr id="2" name="Slide Number Placeholder 1"/>
+          <p:cNvSpPr>
+            <a:spLocks noGrp="1"/>
+          </p:cNvSpPr>
+          <p:nvPr>
+            <p:ph type="sldNum" sz="quarter" idx="12"/>
+          </p:nvPr>
+        </p:nvSpPr>
+        <p:spPr/>
+        <p:txBody>
+          <a:bodyPr/>
+          <a:lstStyle/>
+          <a:p>
+            <a:fld id="{359744D5-AA56-484C-8B57-85B289DA1210}" type="slidenum">
+              <a:rPr lang="en-US" smtClean="0"/>
+              <a:t>37</a:t>
+            </a:fld>
+            <a:endParaRPr lang="en-US"/>
+          </a:p>
+        </p:txBody>
+      </p:sp>
     </p:spTree>
     <p:extLst>
       <p:ext uri="{BB962C8B-B14F-4D97-AF65-F5344CB8AC3E}">
@@ -25357,6 +26594,29 @@
           </a:prstGeom>
         </p:spPr>
       </p:pic>
+      <p:sp>
+        <p:nvSpPr>
+          <p:cNvPr id="2" name="Slide Number Placeholder 1"/>
+          <p:cNvSpPr>
+            <a:spLocks noGrp="1"/>
+          </p:cNvSpPr>
+          <p:nvPr>
+            <p:ph type="sldNum" sz="quarter" idx="12"/>
+          </p:nvPr>
+        </p:nvSpPr>
+        <p:spPr/>
+        <p:txBody>
+          <a:bodyPr/>
+          <a:lstStyle/>
+          <a:p>
+            <a:fld id="{359744D5-AA56-484C-8B57-85B289DA1210}" type="slidenum">
+              <a:rPr lang="en-US" smtClean="0"/>
+              <a:t>38</a:t>
+            </a:fld>
+            <a:endParaRPr lang="en-US"/>
+          </a:p>
+        </p:txBody>
+      </p:sp>
     </p:spTree>
     <p:extLst>
       <p:ext uri="{BB962C8B-B14F-4D97-AF65-F5344CB8AC3E}">
@@ -26235,6 +27495,29 @@
           </a:fontRef>
         </p:style>
       </p:cxnSp>
+      <p:sp>
+        <p:nvSpPr>
+          <p:cNvPr id="2" name="Slide Number Placeholder 1"/>
+          <p:cNvSpPr>
+            <a:spLocks noGrp="1"/>
+          </p:cNvSpPr>
+          <p:nvPr>
+            <p:ph type="sldNum" sz="quarter" idx="12"/>
+          </p:nvPr>
+        </p:nvSpPr>
+        <p:spPr/>
+        <p:txBody>
+          <a:bodyPr/>
+          <a:lstStyle/>
+          <a:p>
+            <a:fld id="{359744D5-AA56-484C-8B57-85B289DA1210}" type="slidenum">
+              <a:rPr lang="en-US" smtClean="0"/>
+              <a:t>39</a:t>
+            </a:fld>
+            <a:endParaRPr lang="en-US"/>
+          </a:p>
+        </p:txBody>
+      </p:sp>
     </p:spTree>
     <p:extLst>
       <p:ext uri="{BB962C8B-B14F-4D97-AF65-F5344CB8AC3E}">
@@ -26429,6 +27712,29 @@
               <a:t>fork</a:t>
             </a:r>
             <a:endParaRPr lang="en-US" sz="2800" dirty="0"/>
+          </a:p>
+        </p:txBody>
+      </p:sp>
+      <p:sp>
+        <p:nvSpPr>
+          <p:cNvPr id="3" name="Slide Number Placeholder 2"/>
+          <p:cNvSpPr>
+            <a:spLocks noGrp="1"/>
+          </p:cNvSpPr>
+          <p:nvPr>
+            <p:ph type="sldNum" sz="quarter" idx="12"/>
+          </p:nvPr>
+        </p:nvSpPr>
+        <p:spPr/>
+        <p:txBody>
+          <a:bodyPr/>
+          <a:lstStyle/>
+          <a:p>
+            <a:fld id="{359744D5-AA56-484C-8B57-85B289DA1210}" type="slidenum">
+              <a:rPr lang="en-US" smtClean="0"/>
+              <a:t>4</a:t>
+            </a:fld>
+            <a:endParaRPr lang="en-US"/>
           </a:p>
         </p:txBody>
       </p:sp>
@@ -27479,6 +28785,29 @@
           </a:p>
         </p:txBody>
       </p:sp>
+      <p:sp>
+        <p:nvSpPr>
+          <p:cNvPr id="2" name="Slide Number Placeholder 1"/>
+          <p:cNvSpPr>
+            <a:spLocks noGrp="1"/>
+          </p:cNvSpPr>
+          <p:nvPr>
+            <p:ph type="sldNum" sz="quarter" idx="12"/>
+          </p:nvPr>
+        </p:nvSpPr>
+        <p:spPr/>
+        <p:txBody>
+          <a:bodyPr/>
+          <a:lstStyle/>
+          <a:p>
+            <a:fld id="{359744D5-AA56-484C-8B57-85B289DA1210}" type="slidenum">
+              <a:rPr lang="en-US" smtClean="0"/>
+              <a:t>40</a:t>
+            </a:fld>
+            <a:endParaRPr lang="en-US"/>
+          </a:p>
+        </p:txBody>
+      </p:sp>
     </p:spTree>
     <p:extLst>
       <p:ext uri="{BB962C8B-B14F-4D97-AF65-F5344CB8AC3E}">
@@ -28519,6 +29848,29 @@
           </a:p>
         </p:txBody>
       </p:sp>
+      <p:sp>
+        <p:nvSpPr>
+          <p:cNvPr id="2" name="Slide Number Placeholder 1"/>
+          <p:cNvSpPr>
+            <a:spLocks noGrp="1"/>
+          </p:cNvSpPr>
+          <p:nvPr>
+            <p:ph type="sldNum" sz="quarter" idx="12"/>
+          </p:nvPr>
+        </p:nvSpPr>
+        <p:spPr/>
+        <p:txBody>
+          <a:bodyPr/>
+          <a:lstStyle/>
+          <a:p>
+            <a:fld id="{359744D5-AA56-484C-8B57-85B289DA1210}" type="slidenum">
+              <a:rPr lang="en-US" smtClean="0"/>
+              <a:t>41</a:t>
+            </a:fld>
+            <a:endParaRPr lang="en-US"/>
+          </a:p>
+        </p:txBody>
+      </p:sp>
     </p:spTree>
     <p:extLst>
       <p:ext uri="{BB962C8B-B14F-4D97-AF65-F5344CB8AC3E}">
@@ -29555,6 +30907,29 @@
           </a:p>
         </p:txBody>
       </p:sp>
+      <p:sp>
+        <p:nvSpPr>
+          <p:cNvPr id="2" name="Slide Number Placeholder 1"/>
+          <p:cNvSpPr>
+            <a:spLocks noGrp="1"/>
+          </p:cNvSpPr>
+          <p:nvPr>
+            <p:ph type="sldNum" sz="quarter" idx="12"/>
+          </p:nvPr>
+        </p:nvSpPr>
+        <p:spPr/>
+        <p:txBody>
+          <a:bodyPr/>
+          <a:lstStyle/>
+          <a:p>
+            <a:fld id="{359744D5-AA56-484C-8B57-85B289DA1210}" type="slidenum">
+              <a:rPr lang="en-US" smtClean="0"/>
+              <a:t>42</a:t>
+            </a:fld>
+            <a:endParaRPr lang="en-US"/>
+          </a:p>
+        </p:txBody>
+      </p:sp>
     </p:spTree>
     <p:extLst>
       <p:ext uri="{BB962C8B-B14F-4D97-AF65-F5344CB8AC3E}">
@@ -30533,6 +31908,29 @@
           </a:p>
         </p:txBody>
       </p:sp>
+      <p:sp>
+        <p:nvSpPr>
+          <p:cNvPr id="2" name="Slide Number Placeholder 1"/>
+          <p:cNvSpPr>
+            <a:spLocks noGrp="1"/>
+          </p:cNvSpPr>
+          <p:nvPr>
+            <p:ph type="sldNum" sz="quarter" idx="12"/>
+          </p:nvPr>
+        </p:nvSpPr>
+        <p:spPr/>
+        <p:txBody>
+          <a:bodyPr/>
+          <a:lstStyle/>
+          <a:p>
+            <a:fld id="{359744D5-AA56-484C-8B57-85B289DA1210}" type="slidenum">
+              <a:rPr lang="en-US" smtClean="0"/>
+              <a:t>43</a:t>
+            </a:fld>
+            <a:endParaRPr lang="en-US"/>
+          </a:p>
+        </p:txBody>
+      </p:sp>
     </p:spTree>
     <p:extLst>
       <p:ext uri="{BB962C8B-B14F-4D97-AF65-F5344CB8AC3E}">
@@ -30774,6 +32172,29 @@
           </a:p>
         </p:txBody>
       </p:sp>
+      <p:sp>
+        <p:nvSpPr>
+          <p:cNvPr id="3" name="Slide Number Placeholder 2"/>
+          <p:cNvSpPr>
+            <a:spLocks noGrp="1"/>
+          </p:cNvSpPr>
+          <p:nvPr>
+            <p:ph type="sldNum" sz="quarter" idx="12"/>
+          </p:nvPr>
+        </p:nvSpPr>
+        <p:spPr/>
+        <p:txBody>
+          <a:bodyPr/>
+          <a:lstStyle/>
+          <a:p>
+            <a:fld id="{359744D5-AA56-484C-8B57-85B289DA1210}" type="slidenum">
+              <a:rPr lang="en-US" smtClean="0"/>
+              <a:t>5</a:t>
+            </a:fld>
+            <a:endParaRPr lang="en-US"/>
+          </a:p>
+        </p:txBody>
+      </p:sp>
     </p:spTree>
     <p:extLst>
       <p:ext uri="{BB962C8B-B14F-4D97-AF65-F5344CB8AC3E}">
@@ -31058,6 +32479,29 @@
           </a:p>
         </p:txBody>
       </p:sp>
+      <p:sp>
+        <p:nvSpPr>
+          <p:cNvPr id="3" name="Slide Number Placeholder 2"/>
+          <p:cNvSpPr>
+            <a:spLocks noGrp="1"/>
+          </p:cNvSpPr>
+          <p:nvPr>
+            <p:ph type="sldNum" sz="quarter" idx="12"/>
+          </p:nvPr>
+        </p:nvSpPr>
+        <p:spPr/>
+        <p:txBody>
+          <a:bodyPr/>
+          <a:lstStyle/>
+          <a:p>
+            <a:fld id="{359744D5-AA56-484C-8B57-85B289DA1210}" type="slidenum">
+              <a:rPr lang="en-US" smtClean="0"/>
+              <a:t>6</a:t>
+            </a:fld>
+            <a:endParaRPr lang="en-US"/>
+          </a:p>
+        </p:txBody>
+      </p:sp>
     </p:spTree>
     <p:extLst>
       <p:ext uri="{BB962C8B-B14F-4D97-AF65-F5344CB8AC3E}">
@@ -31392,6 +32836,29 @@
           </a:p>
         </p:txBody>
       </p:sp>
+      <p:sp>
+        <p:nvSpPr>
+          <p:cNvPr id="3" name="Slide Number Placeholder 2"/>
+          <p:cNvSpPr>
+            <a:spLocks noGrp="1"/>
+          </p:cNvSpPr>
+          <p:nvPr>
+            <p:ph type="sldNum" sz="quarter" idx="12"/>
+          </p:nvPr>
+        </p:nvSpPr>
+        <p:spPr/>
+        <p:txBody>
+          <a:bodyPr/>
+          <a:lstStyle/>
+          <a:p>
+            <a:fld id="{359744D5-AA56-484C-8B57-85B289DA1210}" type="slidenum">
+              <a:rPr lang="en-US" smtClean="0"/>
+              <a:t>7</a:t>
+            </a:fld>
+            <a:endParaRPr lang="en-US"/>
+          </a:p>
+        </p:txBody>
+      </p:sp>
     </p:spTree>
     <p:extLst>
       <p:ext uri="{BB962C8B-B14F-4D97-AF65-F5344CB8AC3E}">
@@ -31831,6 +33298,29 @@
           </a:p>
         </p:txBody>
       </p:sp>
+      <p:sp>
+        <p:nvSpPr>
+          <p:cNvPr id="3" name="Slide Number Placeholder 2"/>
+          <p:cNvSpPr>
+            <a:spLocks noGrp="1"/>
+          </p:cNvSpPr>
+          <p:nvPr>
+            <p:ph type="sldNum" sz="quarter" idx="12"/>
+          </p:nvPr>
+        </p:nvSpPr>
+        <p:spPr/>
+        <p:txBody>
+          <a:bodyPr/>
+          <a:lstStyle/>
+          <a:p>
+            <a:fld id="{359744D5-AA56-484C-8B57-85B289DA1210}" type="slidenum">
+              <a:rPr lang="en-US" smtClean="0"/>
+              <a:t>8</a:t>
+            </a:fld>
+            <a:endParaRPr lang="en-US"/>
+          </a:p>
+        </p:txBody>
+      </p:sp>
     </p:spTree>
     <p:extLst>
       <p:ext uri="{BB962C8B-B14F-4D97-AF65-F5344CB8AC3E}">
@@ -32254,6 +33744,29 @@
           </a:fontRef>
         </p:style>
       </p:cxnSp>
+      <p:sp>
+        <p:nvSpPr>
+          <p:cNvPr id="3" name="Slide Number Placeholder 2"/>
+          <p:cNvSpPr>
+            <a:spLocks noGrp="1"/>
+          </p:cNvSpPr>
+          <p:nvPr>
+            <p:ph type="sldNum" sz="quarter" idx="12"/>
+          </p:nvPr>
+        </p:nvSpPr>
+        <p:spPr/>
+        <p:txBody>
+          <a:bodyPr/>
+          <a:lstStyle/>
+          <a:p>
+            <a:fld id="{359744D5-AA56-484C-8B57-85B289DA1210}" type="slidenum">
+              <a:rPr lang="en-US" smtClean="0"/>
+              <a:t>9</a:t>
+            </a:fld>
+            <a:endParaRPr lang="en-US"/>
+          </a:p>
+        </p:txBody>
+      </p:sp>
     </p:spTree>
     <p:extLst>
       <p:ext uri="{BB962C8B-B14F-4D97-AF65-F5344CB8AC3E}">
@@ -32592,4 +34105,644 @@
   </a:objectDefaults>
   <a:extraClrSchemeLst/>
 </a:theme>
+</file>
+
+<file path=ppt/theme/theme2.xml><?xml version="1.0" encoding="utf-8"?>
+<a:theme xmlns:a="http://schemas.openxmlformats.org/drawingml/2006/main" name="Office Theme">
+  <a:themeElements>
+    <a:clrScheme name="Office">
+      <a:dk1>
+        <a:sysClr val="windowText" lastClr="000000"/>
+      </a:dk1>
+      <a:lt1>
+        <a:sysClr val="window" lastClr="FFFFFF"/>
+      </a:lt1>
+      <a:dk2>
+        <a:srgbClr val="1F497D"/>
+      </a:dk2>
+      <a:lt2>
+        <a:srgbClr val="EEECE1"/>
+      </a:lt2>
+      <a:accent1>
+        <a:srgbClr val="4F81BD"/>
+      </a:accent1>
+      <a:accent2>
+        <a:srgbClr val="C0504D"/>
+      </a:accent2>
+      <a:accent3>
+        <a:srgbClr val="9BBB59"/>
+      </a:accent3>
+      <a:accent4>
+        <a:srgbClr val="8064A2"/>
+      </a:accent4>
+      <a:accent5>
+        <a:srgbClr val="4BACC6"/>
+      </a:accent5>
+      <a:accent6>
+        <a:srgbClr val="F79646"/>
+      </a:accent6>
+      <a:hlink>
+        <a:srgbClr val="0000FF"/>
+      </a:hlink>
+      <a:folHlink>
+        <a:srgbClr val="800080"/>
+      </a:folHlink>
+    </a:clrScheme>
+    <a:fontScheme name="Office">
+      <a:majorFont>
+        <a:latin typeface="Calibri"/>
+        <a:ea typeface=""/>
+        <a:cs typeface=""/>
+        <a:font script="Jpan" typeface="ＭＳ Ｐゴシック"/>
+        <a:font script="Hang" typeface="맑은 고딕"/>
+        <a:font script="Hans" typeface="宋体"/>
+        <a:font script="Hant" typeface="新細明體"/>
+        <a:font script="Arab" typeface="Times New Roman"/>
+        <a:font script="Hebr" typeface="Times New Roman"/>
+        <a:font script="Thai" typeface="Angsana New"/>
+        <a:font script="Ethi" typeface="Nyala"/>
+        <a:font script="Beng" typeface="Vrinda"/>
+        <a:font script="Gujr" typeface="Shruti"/>
+        <a:font script="Khmr" typeface="MoolBoran"/>
+        <a:font script="Knda" typeface="Tunga"/>
+        <a:font script="Guru" typeface="Raavi"/>
+        <a:font script="Cans" typeface="Euphemia"/>
+        <a:font script="Cher" typeface="Plantagenet Cherokee"/>
+        <a:font script="Yiii" typeface="Microsoft Yi Baiti"/>
+        <a:font script="Tibt" typeface="Microsoft Himalaya"/>
+        <a:font script="Thaa" typeface="MV Boli"/>
+        <a:font script="Deva" typeface="Mangal"/>
+        <a:font script="Telu" typeface="Gautami"/>
+        <a:font script="Taml" typeface="Latha"/>
+        <a:font script="Syrc" typeface="Estrangelo Edessa"/>
+        <a:font script="Orya" typeface="Kalinga"/>
+        <a:font script="Mlym" typeface="Kartika"/>
+        <a:font script="Laoo" typeface="DokChampa"/>
+        <a:font script="Sinh" typeface="Iskoola Pota"/>
+        <a:font script="Mong" typeface="Mongolian Baiti"/>
+        <a:font script="Viet" typeface="Times New Roman"/>
+        <a:font script="Uigh" typeface="Microsoft Uighur"/>
+        <a:font script="Geor" typeface="Sylfaen"/>
+      </a:majorFont>
+      <a:minorFont>
+        <a:latin typeface="Calibri"/>
+        <a:ea typeface=""/>
+        <a:cs typeface=""/>
+        <a:font script="Jpan" typeface="ＭＳ Ｐゴシック"/>
+        <a:font script="Hang" typeface="맑은 고딕"/>
+        <a:font script="Hans" typeface="宋体"/>
+        <a:font script="Hant" typeface="新細明體"/>
+        <a:font script="Arab" typeface="Arial"/>
+        <a:font script="Hebr" typeface="Arial"/>
+        <a:font script="Thai" typeface="Cordia New"/>
+        <a:font script="Ethi" typeface="Nyala"/>
+        <a:font script="Beng" typeface="Vrinda"/>
+        <a:font script="Gujr" typeface="Shruti"/>
+        <a:font script="Khmr" typeface="DaunPenh"/>
+        <a:font script="Knda" typeface="Tunga"/>
+        <a:font script="Guru" typeface="Raavi"/>
+        <a:font script="Cans" typeface="Euphemia"/>
+        <a:font script="Cher" typeface="Plantagenet Cherokee"/>
+        <a:font script="Yiii" typeface="Microsoft Yi Baiti"/>
+        <a:font script="Tibt" typeface="Microsoft Himalaya"/>
+        <a:font script="Thaa" typeface="MV Boli"/>
+        <a:font script="Deva" typeface="Mangal"/>
+        <a:font script="Telu" typeface="Gautami"/>
+        <a:font script="Taml" typeface="Latha"/>
+        <a:font script="Syrc" typeface="Estrangelo Edessa"/>
+        <a:font script="Orya" typeface="Kalinga"/>
+        <a:font script="Mlym" typeface="Kartika"/>
+        <a:font script="Laoo" typeface="DokChampa"/>
+        <a:font script="Sinh" typeface="Iskoola Pota"/>
+        <a:font script="Mong" typeface="Mongolian Baiti"/>
+        <a:font script="Viet" typeface="Arial"/>
+        <a:font script="Uigh" typeface="Microsoft Uighur"/>
+        <a:font script="Geor" typeface="Sylfaen"/>
+      </a:minorFont>
+    </a:fontScheme>
+    <a:fmtScheme name="Office">
+      <a:fillStyleLst>
+        <a:solidFill>
+          <a:schemeClr val="phClr"/>
+        </a:solidFill>
+        <a:gradFill rotWithShape="1">
+          <a:gsLst>
+            <a:gs pos="0">
+              <a:schemeClr val="phClr">
+                <a:tint val="50000"/>
+                <a:satMod val="300000"/>
+              </a:schemeClr>
+            </a:gs>
+            <a:gs pos="35000">
+              <a:schemeClr val="phClr">
+                <a:tint val="37000"/>
+                <a:satMod val="300000"/>
+              </a:schemeClr>
+            </a:gs>
+            <a:gs pos="100000">
+              <a:schemeClr val="phClr">
+                <a:tint val="15000"/>
+                <a:satMod val="350000"/>
+              </a:schemeClr>
+            </a:gs>
+          </a:gsLst>
+          <a:lin ang="16200000" scaled="1"/>
+        </a:gradFill>
+        <a:gradFill rotWithShape="1">
+          <a:gsLst>
+            <a:gs pos="0">
+              <a:schemeClr val="phClr">
+                <a:tint val="100000"/>
+                <a:shade val="100000"/>
+                <a:satMod val="130000"/>
+              </a:schemeClr>
+            </a:gs>
+            <a:gs pos="100000">
+              <a:schemeClr val="phClr">
+                <a:tint val="50000"/>
+                <a:shade val="100000"/>
+                <a:satMod val="350000"/>
+              </a:schemeClr>
+            </a:gs>
+          </a:gsLst>
+          <a:lin ang="16200000" scaled="0"/>
+        </a:gradFill>
+      </a:fillStyleLst>
+      <a:lnStyleLst>
+        <a:ln w="9525" cap="flat" cmpd="sng" algn="ctr">
+          <a:solidFill>
+            <a:schemeClr val="phClr">
+              <a:shade val="95000"/>
+              <a:satMod val="105000"/>
+            </a:schemeClr>
+          </a:solidFill>
+          <a:prstDash val="solid"/>
+        </a:ln>
+        <a:ln w="25400" cap="flat" cmpd="sng" algn="ctr">
+          <a:solidFill>
+            <a:schemeClr val="phClr"/>
+          </a:solidFill>
+          <a:prstDash val="solid"/>
+        </a:ln>
+        <a:ln w="38100" cap="flat" cmpd="sng" algn="ctr">
+          <a:solidFill>
+            <a:schemeClr val="phClr"/>
+          </a:solidFill>
+          <a:prstDash val="solid"/>
+        </a:ln>
+      </a:lnStyleLst>
+      <a:effectStyleLst>
+        <a:effectStyle>
+          <a:effectLst>
+            <a:outerShdw blurRad="40000" dist="20000" dir="5400000" rotWithShape="0">
+              <a:srgbClr val="000000">
+                <a:alpha val="38000"/>
+              </a:srgbClr>
+            </a:outerShdw>
+          </a:effectLst>
+        </a:effectStyle>
+        <a:effectStyle>
+          <a:effectLst>
+            <a:outerShdw blurRad="40000" dist="23000" dir="5400000" rotWithShape="0">
+              <a:srgbClr val="000000">
+                <a:alpha val="35000"/>
+              </a:srgbClr>
+            </a:outerShdw>
+          </a:effectLst>
+        </a:effectStyle>
+        <a:effectStyle>
+          <a:effectLst>
+            <a:outerShdw blurRad="40000" dist="23000" dir="5400000" rotWithShape="0">
+              <a:srgbClr val="000000">
+                <a:alpha val="35000"/>
+              </a:srgbClr>
+            </a:outerShdw>
+          </a:effectLst>
+          <a:scene3d>
+            <a:camera prst="orthographicFront">
+              <a:rot lat="0" lon="0" rev="0"/>
+            </a:camera>
+            <a:lightRig rig="threePt" dir="t">
+              <a:rot lat="0" lon="0" rev="1200000"/>
+            </a:lightRig>
+          </a:scene3d>
+          <a:sp3d>
+            <a:bevelT w="63500" h="25400"/>
+          </a:sp3d>
+        </a:effectStyle>
+      </a:effectStyleLst>
+      <a:bgFillStyleLst>
+        <a:solidFill>
+          <a:schemeClr val="phClr"/>
+        </a:solidFill>
+        <a:gradFill rotWithShape="1">
+          <a:gsLst>
+            <a:gs pos="0">
+              <a:schemeClr val="phClr">
+                <a:tint val="40000"/>
+                <a:satMod val="350000"/>
+              </a:schemeClr>
+            </a:gs>
+            <a:gs pos="40000">
+              <a:schemeClr val="phClr">
+                <a:tint val="45000"/>
+                <a:shade val="99000"/>
+                <a:satMod val="350000"/>
+              </a:schemeClr>
+            </a:gs>
+            <a:gs pos="100000">
+              <a:schemeClr val="phClr">
+                <a:shade val="20000"/>
+                <a:satMod val="255000"/>
+              </a:schemeClr>
+            </a:gs>
+          </a:gsLst>
+          <a:path path="circle">
+            <a:fillToRect l="50000" t="-80000" r="50000" b="180000"/>
+          </a:path>
+        </a:gradFill>
+        <a:gradFill rotWithShape="1">
+          <a:gsLst>
+            <a:gs pos="0">
+              <a:schemeClr val="phClr">
+                <a:tint val="80000"/>
+                <a:satMod val="300000"/>
+              </a:schemeClr>
+            </a:gs>
+            <a:gs pos="100000">
+              <a:schemeClr val="phClr">
+                <a:shade val="30000"/>
+                <a:satMod val="200000"/>
+              </a:schemeClr>
+            </a:gs>
+          </a:gsLst>
+          <a:path path="circle">
+            <a:fillToRect l="50000" t="50000" r="50000" b="50000"/>
+          </a:path>
+        </a:gradFill>
+      </a:bgFillStyleLst>
+    </a:fmtScheme>
+  </a:themeElements>
+  <a:objectDefaults>
+    <a:spDef>
+      <a:spPr/>
+      <a:bodyPr/>
+      <a:lstStyle/>
+      <a:style>
+        <a:lnRef idx="1">
+          <a:schemeClr val="accent1"/>
+        </a:lnRef>
+        <a:fillRef idx="3">
+          <a:schemeClr val="accent1"/>
+        </a:fillRef>
+        <a:effectRef idx="2">
+          <a:schemeClr val="accent1"/>
+        </a:effectRef>
+        <a:fontRef idx="minor">
+          <a:schemeClr val="lt1"/>
+        </a:fontRef>
+      </a:style>
+    </a:spDef>
+    <a:lnDef>
+      <a:spPr/>
+      <a:bodyPr/>
+      <a:lstStyle/>
+      <a:style>
+        <a:lnRef idx="2">
+          <a:schemeClr val="accent1"/>
+        </a:lnRef>
+        <a:fillRef idx="0">
+          <a:schemeClr val="accent1"/>
+        </a:fillRef>
+        <a:effectRef idx="1">
+          <a:schemeClr val="accent1"/>
+        </a:effectRef>
+        <a:fontRef idx="minor">
+          <a:schemeClr val="tx1"/>
+        </a:fontRef>
+      </a:style>
+    </a:lnDef>
+  </a:objectDefaults>
+  <a:extraClrSchemeLst/>
+</a:theme>
+</file>
+
+<file path=ppt/theme/theme3.xml><?xml version="1.0" encoding="utf-8"?>
+<a:theme xmlns:a="http://schemas.openxmlformats.org/drawingml/2006/main" name="Office Theme">
+  <a:themeElements>
+    <a:clrScheme name="Office">
+      <a:dk1>
+        <a:sysClr val="windowText" lastClr="000000"/>
+      </a:dk1>
+      <a:lt1>
+        <a:sysClr val="window" lastClr="FFFFFF"/>
+      </a:lt1>
+      <a:dk2>
+        <a:srgbClr val="1F497D"/>
+      </a:dk2>
+      <a:lt2>
+        <a:srgbClr val="EEECE1"/>
+      </a:lt2>
+      <a:accent1>
+        <a:srgbClr val="4F81BD"/>
+      </a:accent1>
+      <a:accent2>
+        <a:srgbClr val="C0504D"/>
+      </a:accent2>
+      <a:accent3>
+        <a:srgbClr val="9BBB59"/>
+      </a:accent3>
+      <a:accent4>
+        <a:srgbClr val="8064A2"/>
+      </a:accent4>
+      <a:accent5>
+        <a:srgbClr val="4BACC6"/>
+      </a:accent5>
+      <a:accent6>
+        <a:srgbClr val="F79646"/>
+      </a:accent6>
+      <a:hlink>
+        <a:srgbClr val="0000FF"/>
+      </a:hlink>
+      <a:folHlink>
+        <a:srgbClr val="800080"/>
+      </a:folHlink>
+    </a:clrScheme>
+    <a:fontScheme name="Office">
+      <a:majorFont>
+        <a:latin typeface="Calibri"/>
+        <a:ea typeface=""/>
+        <a:cs typeface=""/>
+        <a:font script="Jpan" typeface="ＭＳ Ｐゴシック"/>
+        <a:font script="Hang" typeface="맑은 고딕"/>
+        <a:font script="Hans" typeface="宋体"/>
+        <a:font script="Hant" typeface="新細明體"/>
+        <a:font script="Arab" typeface="Times New Roman"/>
+        <a:font script="Hebr" typeface="Times New Roman"/>
+        <a:font script="Thai" typeface="Angsana New"/>
+        <a:font script="Ethi" typeface="Nyala"/>
+        <a:font script="Beng" typeface="Vrinda"/>
+        <a:font script="Gujr" typeface="Shruti"/>
+        <a:font script="Khmr" typeface="MoolBoran"/>
+        <a:font script="Knda" typeface="Tunga"/>
+        <a:font script="Guru" typeface="Raavi"/>
+        <a:font script="Cans" typeface="Euphemia"/>
+        <a:font script="Cher" typeface="Plantagenet Cherokee"/>
+        <a:font script="Yiii" typeface="Microsoft Yi Baiti"/>
+        <a:font script="Tibt" typeface="Microsoft Himalaya"/>
+        <a:font script="Thaa" typeface="MV Boli"/>
+        <a:font script="Deva" typeface="Mangal"/>
+        <a:font script="Telu" typeface="Gautami"/>
+        <a:font script="Taml" typeface="Latha"/>
+        <a:font script="Syrc" typeface="Estrangelo Edessa"/>
+        <a:font script="Orya" typeface="Kalinga"/>
+        <a:font script="Mlym" typeface="Kartika"/>
+        <a:font script="Laoo" typeface="DokChampa"/>
+        <a:font script="Sinh" typeface="Iskoola Pota"/>
+        <a:font script="Mong" typeface="Mongolian Baiti"/>
+        <a:font script="Viet" typeface="Times New Roman"/>
+        <a:font script="Uigh" typeface="Microsoft Uighur"/>
+        <a:font script="Geor" typeface="Sylfaen"/>
+      </a:majorFont>
+      <a:minorFont>
+        <a:latin typeface="Calibri"/>
+        <a:ea typeface=""/>
+        <a:cs typeface=""/>
+        <a:font script="Jpan" typeface="ＭＳ Ｐゴシック"/>
+        <a:font script="Hang" typeface="맑은 고딕"/>
+        <a:font script="Hans" typeface="宋体"/>
+        <a:font script="Hant" typeface="新細明體"/>
+        <a:font script="Arab" typeface="Arial"/>
+        <a:font script="Hebr" typeface="Arial"/>
+        <a:font script="Thai" typeface="Cordia New"/>
+        <a:font script="Ethi" typeface="Nyala"/>
+        <a:font script="Beng" typeface="Vrinda"/>
+        <a:font script="Gujr" typeface="Shruti"/>
+        <a:font script="Khmr" typeface="DaunPenh"/>
+        <a:font script="Knda" typeface="Tunga"/>
+        <a:font script="Guru" typeface="Raavi"/>
+        <a:font script="Cans" typeface="Euphemia"/>
+        <a:font script="Cher" typeface="Plantagenet Cherokee"/>
+        <a:font script="Yiii" typeface="Microsoft Yi Baiti"/>
+        <a:font script="Tibt" typeface="Microsoft Himalaya"/>
+        <a:font script="Thaa" typeface="MV Boli"/>
+        <a:font script="Deva" typeface="Mangal"/>
+        <a:font script="Telu" typeface="Gautami"/>
+        <a:font script="Taml" typeface="Latha"/>
+        <a:font script="Syrc" typeface="Estrangelo Edessa"/>
+        <a:font script="Orya" typeface="Kalinga"/>
+        <a:font script="Mlym" typeface="Kartika"/>
+        <a:font script="Laoo" typeface="DokChampa"/>
+        <a:font script="Sinh" typeface="Iskoola Pota"/>
+        <a:font script="Mong" typeface="Mongolian Baiti"/>
+        <a:font script="Viet" typeface="Arial"/>
+        <a:font script="Uigh" typeface="Microsoft Uighur"/>
+        <a:font script="Geor" typeface="Sylfaen"/>
+      </a:minorFont>
+    </a:fontScheme>
+    <a:fmtScheme name="Office">
+      <a:fillStyleLst>
+        <a:solidFill>
+          <a:schemeClr val="phClr"/>
+        </a:solidFill>
+        <a:gradFill rotWithShape="1">
+          <a:gsLst>
+            <a:gs pos="0">
+              <a:schemeClr val="phClr">
+                <a:tint val="50000"/>
+                <a:satMod val="300000"/>
+              </a:schemeClr>
+            </a:gs>
+            <a:gs pos="35000">
+              <a:schemeClr val="phClr">
+                <a:tint val="37000"/>
+                <a:satMod val="300000"/>
+              </a:schemeClr>
+            </a:gs>
+            <a:gs pos="100000">
+              <a:schemeClr val="phClr">
+                <a:tint val="15000"/>
+                <a:satMod val="350000"/>
+              </a:schemeClr>
+            </a:gs>
+          </a:gsLst>
+          <a:lin ang="16200000" scaled="1"/>
+        </a:gradFill>
+        <a:gradFill rotWithShape="1">
+          <a:gsLst>
+            <a:gs pos="0">
+              <a:schemeClr val="phClr">
+                <a:tint val="100000"/>
+                <a:shade val="100000"/>
+                <a:satMod val="130000"/>
+              </a:schemeClr>
+            </a:gs>
+            <a:gs pos="100000">
+              <a:schemeClr val="phClr">
+                <a:tint val="50000"/>
+                <a:shade val="100000"/>
+                <a:satMod val="350000"/>
+              </a:schemeClr>
+            </a:gs>
+          </a:gsLst>
+          <a:lin ang="16200000" scaled="0"/>
+        </a:gradFill>
+      </a:fillStyleLst>
+      <a:lnStyleLst>
+        <a:ln w="9525" cap="flat" cmpd="sng" algn="ctr">
+          <a:solidFill>
+            <a:schemeClr val="phClr">
+              <a:shade val="95000"/>
+              <a:satMod val="105000"/>
+            </a:schemeClr>
+          </a:solidFill>
+          <a:prstDash val="solid"/>
+        </a:ln>
+        <a:ln w="25400" cap="flat" cmpd="sng" algn="ctr">
+          <a:solidFill>
+            <a:schemeClr val="phClr"/>
+          </a:solidFill>
+          <a:prstDash val="solid"/>
+        </a:ln>
+        <a:ln w="38100" cap="flat" cmpd="sng" algn="ctr">
+          <a:solidFill>
+            <a:schemeClr val="phClr"/>
+          </a:solidFill>
+          <a:prstDash val="solid"/>
+        </a:ln>
+      </a:lnStyleLst>
+      <a:effectStyleLst>
+        <a:effectStyle>
+          <a:effectLst>
+            <a:outerShdw blurRad="40000" dist="20000" dir="5400000" rotWithShape="0">
+              <a:srgbClr val="000000">
+                <a:alpha val="38000"/>
+              </a:srgbClr>
+            </a:outerShdw>
+          </a:effectLst>
+        </a:effectStyle>
+        <a:effectStyle>
+          <a:effectLst>
+            <a:outerShdw blurRad="40000" dist="23000" dir="5400000" rotWithShape="0">
+              <a:srgbClr val="000000">
+                <a:alpha val="35000"/>
+              </a:srgbClr>
+            </a:outerShdw>
+          </a:effectLst>
+        </a:effectStyle>
+        <a:effectStyle>
+          <a:effectLst>
+            <a:outerShdw blurRad="40000" dist="23000" dir="5400000" rotWithShape="0">
+              <a:srgbClr val="000000">
+                <a:alpha val="35000"/>
+              </a:srgbClr>
+            </a:outerShdw>
+          </a:effectLst>
+          <a:scene3d>
+            <a:camera prst="orthographicFront">
+              <a:rot lat="0" lon="0" rev="0"/>
+            </a:camera>
+            <a:lightRig rig="threePt" dir="t">
+              <a:rot lat="0" lon="0" rev="1200000"/>
+            </a:lightRig>
+          </a:scene3d>
+          <a:sp3d>
+            <a:bevelT w="63500" h="25400"/>
+          </a:sp3d>
+        </a:effectStyle>
+      </a:effectStyleLst>
+      <a:bgFillStyleLst>
+        <a:solidFill>
+          <a:schemeClr val="phClr"/>
+        </a:solidFill>
+        <a:gradFill rotWithShape="1">
+          <a:gsLst>
+            <a:gs pos="0">
+              <a:schemeClr val="phClr">
+                <a:tint val="40000"/>
+                <a:satMod val="350000"/>
+              </a:schemeClr>
+            </a:gs>
+            <a:gs pos="40000">
+              <a:schemeClr val="phClr">
+                <a:tint val="45000"/>
+                <a:shade val="99000"/>
+                <a:satMod val="350000"/>
+              </a:schemeClr>
+            </a:gs>
+            <a:gs pos="100000">
+              <a:schemeClr val="phClr">
+                <a:shade val="20000"/>
+                <a:satMod val="255000"/>
+              </a:schemeClr>
+            </a:gs>
+          </a:gsLst>
+          <a:path path="circle">
+            <a:fillToRect l="50000" t="-80000" r="50000" b="180000"/>
+          </a:path>
+        </a:gradFill>
+        <a:gradFill rotWithShape="1">
+          <a:gsLst>
+            <a:gs pos="0">
+              <a:schemeClr val="phClr">
+                <a:tint val="80000"/>
+                <a:satMod val="300000"/>
+              </a:schemeClr>
+            </a:gs>
+            <a:gs pos="100000">
+              <a:schemeClr val="phClr">
+                <a:shade val="30000"/>
+                <a:satMod val="200000"/>
+              </a:schemeClr>
+            </a:gs>
+          </a:gsLst>
+          <a:path path="circle">
+            <a:fillToRect l="50000" t="50000" r="50000" b="50000"/>
+          </a:path>
+        </a:gradFill>
+      </a:bgFillStyleLst>
+    </a:fmtScheme>
+  </a:themeElements>
+  <a:objectDefaults>
+    <a:spDef>
+      <a:spPr/>
+      <a:bodyPr/>
+      <a:lstStyle/>
+      <a:style>
+        <a:lnRef idx="1">
+          <a:schemeClr val="accent1"/>
+        </a:lnRef>
+        <a:fillRef idx="3">
+          <a:schemeClr val="accent1"/>
+        </a:fillRef>
+        <a:effectRef idx="2">
+          <a:schemeClr val="accent1"/>
+        </a:effectRef>
+        <a:fontRef idx="minor">
+          <a:schemeClr val="lt1"/>
+        </a:fontRef>
+      </a:style>
+    </a:spDef>
+    <a:lnDef>
+      <a:spPr/>
+      <a:bodyPr/>
+      <a:lstStyle/>
+      <a:style>
+        <a:lnRef idx="2">
+          <a:schemeClr val="accent1"/>
+        </a:lnRef>
+        <a:fillRef idx="0">
+          <a:schemeClr val="accent1"/>
+        </a:fillRef>
+        <a:effectRef idx="1">
+          <a:schemeClr val="accent1"/>
+        </a:effectRef>
+        <a:fontRef idx="minor">
+          <a:schemeClr val="tx1"/>
+        </a:fontRef>
+      </a:style>
+    </a:lnDef>
+  </a:objectDefaults>
+  <a:extraClrSchemeLst/>
+</a:theme>
 </file>